--- a/Presentasi PDL.pptx
+++ b/Presentasi PDL.pptx
@@ -8,10 +8,11 @@
     <p:sldId id="256" r:id="rId2"/>
     <p:sldId id="257" r:id="rId3"/>
     <p:sldId id="258" r:id="rId4"/>
-    <p:sldId id="259" r:id="rId5"/>
-    <p:sldId id="260" r:id="rId6"/>
-    <p:sldId id="261" r:id="rId7"/>
-    <p:sldId id="262" r:id="rId8"/>
+    <p:sldId id="263" r:id="rId5"/>
+    <p:sldId id="259" r:id="rId6"/>
+    <p:sldId id="260" r:id="rId7"/>
+    <p:sldId id="261" r:id="rId8"/>
+    <p:sldId id="262" r:id="rId9"/>
   </p:sldIdLst>
   <p:sldSz cx="9144000" cy="6858000" type="screen4x3"/>
   <p:notesSz cx="6858000" cy="9144000"/>
@@ -110,6 +111,22 @@
       </a:defRPr>
     </a:lvl9pPr>
   </p:defaultTextStyle>
+  <p:extLst>
+    <p:ext uri="{EFAFB233-063F-42B5-8137-9DF3F51BA10A}">
+      <p15:sldGuideLst xmlns:p15="http://schemas.microsoft.com/office/powerpoint/2012/main">
+        <p15:guide id="1" orient="horz" pos="2160">
+          <p15:clr>
+            <a:srgbClr val="A4A3A4"/>
+          </p15:clr>
+        </p15:guide>
+        <p15:guide id="2" pos="2880">
+          <p15:clr>
+            <a:srgbClr val="A4A3A4"/>
+          </p15:clr>
+        </p15:guide>
+      </p15:sldGuideLst>
+    </p:ext>
+  </p:extLst>
 </p:presentation>
 </file>
 
@@ -404,7 +421,7 @@
           <a:p>
             <a:fld id="{CFBF0AAD-1840-B64C-B4BD-3771158A793C}" type="datetimeFigureOut">
               <a:rPr lang="en-US" smtClean="0"/>
-              <a:t>4/3/14</a:t>
+              <a:t>4/3/2014</a:t>
             </a:fld>
             <a:endParaRPr lang="en-US"/>
           </a:p>
@@ -595,7 +612,7 @@
           <a:p>
             <a:fld id="{CFBF0AAD-1840-B64C-B4BD-3771158A793C}" type="datetimeFigureOut">
               <a:rPr lang="en-US" smtClean="0"/>
-              <a:t>4/3/14</a:t>
+              <a:t>4/3/2014</a:t>
             </a:fld>
             <a:endParaRPr lang="en-US"/>
           </a:p>
@@ -780,7 +797,7 @@
           <a:p>
             <a:fld id="{CFBF0AAD-1840-B64C-B4BD-3771158A793C}" type="datetimeFigureOut">
               <a:rPr lang="en-US" smtClean="0"/>
-              <a:t>4/3/14</a:t>
+              <a:t>4/3/2014</a:t>
             </a:fld>
             <a:endParaRPr lang="en-US"/>
           </a:p>
@@ -1043,7 +1060,7 @@
           <a:p>
             <a:fld id="{CFBF0AAD-1840-B64C-B4BD-3771158A793C}" type="datetimeFigureOut">
               <a:rPr lang="en-US" smtClean="0"/>
-              <a:t>4/3/14</a:t>
+              <a:t>4/3/2014</a:t>
             </a:fld>
             <a:endParaRPr lang="en-US"/>
           </a:p>
@@ -1459,7 +1476,7 @@
           <a:p>
             <a:fld id="{CFBF0AAD-1840-B64C-B4BD-3771158A793C}" type="datetimeFigureOut">
               <a:rPr lang="en-US" smtClean="0"/>
-              <a:t>4/3/14</a:t>
+              <a:t>4/3/2014</a:t>
             </a:fld>
             <a:endParaRPr lang="en-US"/>
           </a:p>
@@ -1701,7 +1718,7 @@
           <a:p>
             <a:fld id="{CFBF0AAD-1840-B64C-B4BD-3771158A793C}" type="datetimeFigureOut">
               <a:rPr lang="en-US" smtClean="0"/>
-              <a:t>4/3/14</a:t>
+              <a:t>4/3/2014</a:t>
             </a:fld>
             <a:endParaRPr lang="en-US"/>
           </a:p>
@@ -1937,7 +1954,7 @@
           <a:p>
             <a:fld id="{CFBF0AAD-1840-B64C-B4BD-3771158A793C}" type="datetimeFigureOut">
               <a:rPr lang="en-US" smtClean="0"/>
-              <a:t>4/3/14</a:t>
+              <a:t>4/3/2014</a:t>
             </a:fld>
             <a:endParaRPr lang="en-US"/>
           </a:p>
@@ -2132,7 +2149,7 @@
           <a:p>
             <a:fld id="{CFBF0AAD-1840-B64C-B4BD-3771158A793C}" type="datetimeFigureOut">
               <a:rPr lang="en-US" smtClean="0"/>
-              <a:t>4/3/14</a:t>
+              <a:t>4/3/2014</a:t>
             </a:fld>
             <a:endParaRPr lang="en-US"/>
           </a:p>
@@ -2230,7 +2247,7 @@
           <a:p>
             <a:fld id="{CFBF0AAD-1840-B64C-B4BD-3771158A793C}" type="datetimeFigureOut">
               <a:rPr lang="en-US" smtClean="0"/>
-              <a:t>4/3/14</a:t>
+              <a:t>4/3/2014</a:t>
             </a:fld>
             <a:endParaRPr lang="en-US"/>
           </a:p>
@@ -2366,7 +2383,7 @@
           <a:p>
             <a:fld id="{CFBF0AAD-1840-B64C-B4BD-3771158A793C}" type="datetimeFigureOut">
               <a:rPr lang="en-US" smtClean="0"/>
-              <a:t>4/3/14</a:t>
+              <a:t>4/3/2014</a:t>
             </a:fld>
             <a:endParaRPr lang="en-US"/>
           </a:p>
@@ -2884,7 +2901,7 @@
           <a:p>
             <a:fld id="{CFBF0AAD-1840-B64C-B4BD-3771158A793C}" type="datetimeFigureOut">
               <a:rPr lang="en-US" smtClean="0"/>
-              <a:t>4/3/14</a:t>
+              <a:t>4/3/2014</a:t>
             </a:fld>
             <a:endParaRPr lang="en-US"/>
           </a:p>
@@ -3145,7 +3162,7 @@
           <a:p>
             <a:fld id="{CFBF0AAD-1840-B64C-B4BD-3771158A793C}" type="datetimeFigureOut">
               <a:rPr lang="en-US" smtClean="0"/>
-              <a:t>4/3/14</a:t>
+              <a:t>4/3/2014</a:t>
             </a:fld>
             <a:endParaRPr lang="en-US"/>
           </a:p>
@@ -3892,13 +3909,13 @@
   <p:clrMapOvr>
     <a:masterClrMapping/>
   </p:clrMapOvr>
-  <mc:AlternateContent xmlns:mc="http://schemas.openxmlformats.org/markup-compatibility/2006">
-    <mc:Choice xmlns:p14="http://schemas.microsoft.com/office/powerpoint/2010/main" Requires="p14">
+  <mc:AlternateContent xmlns:mc="http://schemas.openxmlformats.org/markup-compatibility/2006" xmlns:p14="http://schemas.microsoft.com/office/powerpoint/2010/main">
+    <mc:Choice Requires="p14">
       <p:transition spd="slow" p14:dur="800">
         <p:circle/>
       </p:transition>
     </mc:Choice>
-    <mc:Fallback>
+    <mc:Fallback xmlns="">
       <p:transition xmlns:p14="http://schemas.microsoft.com/office/powerpoint/2010/main" spd="slow">
         <p:circle/>
       </p:transition>
@@ -3907,7 +3924,7 @@
   <p:timing>
     <p:tnLst>
       <p:par>
-        <p:cTn xmlns:p14="http://schemas.microsoft.com/office/powerpoint/2010/main" id="1" dur="indefinite" restart="never" nodeType="tmRoot"/>
+        <p:cTn id="1" dur="indefinite" restart="never" nodeType="tmRoot"/>
       </p:par>
     </p:tnLst>
   </p:timing>
@@ -4218,13 +4235,13 @@
   <p:clrMapOvr>
     <a:masterClrMapping/>
   </p:clrMapOvr>
-  <mc:AlternateContent xmlns:mc="http://schemas.openxmlformats.org/markup-compatibility/2006">
-    <mc:Choice xmlns:p14="http://schemas.microsoft.com/office/powerpoint/2010/main" Requires="p14">
+  <mc:AlternateContent xmlns:mc="http://schemas.openxmlformats.org/markup-compatibility/2006" xmlns:p14="http://schemas.microsoft.com/office/powerpoint/2010/main">
+    <mc:Choice Requires="p14">
       <p:transition spd="slow" p14:dur="4400">
         <p14:honeycomb/>
       </p:transition>
     </mc:Choice>
-    <mc:Fallback>
+    <mc:Fallback xmlns="">
       <p:transition xmlns:p14="http://schemas.microsoft.com/office/powerpoint/2010/main" spd="slow">
         <p:fade/>
       </p:transition>
@@ -4233,7 +4250,7 @@
   <p:timing>
     <p:tnLst>
       <p:par>
-        <p:cTn xmlns:p14="http://schemas.microsoft.com/office/powerpoint/2010/main" id="1" dur="indefinite" restart="never" nodeType="tmRoot"/>
+        <p:cTn id="1" dur="indefinite" restart="never" nodeType="tmRoot"/>
       </p:par>
     </p:tnLst>
   </p:timing>
@@ -4318,9 +4335,30 @@
           </a:p>
           <a:p>
             <a:r>
-              <a:rPr lang="en-US" dirty="0" smtClean="0"/>
-              <a:t>Map Server</a:t>
-            </a:r>
+              <a:rPr lang="id-ID" dirty="0" err="1" smtClean="0"/>
+              <a:t>Google</a:t>
+            </a:r>
+            <a:r>
+              <a:rPr lang="id-ID" dirty="0" smtClean="0"/>
+              <a:t> </a:t>
+            </a:r>
+            <a:r>
+              <a:rPr lang="id-ID" dirty="0" err="1" smtClean="0"/>
+              <a:t>Maps</a:t>
+            </a:r>
+            <a:r>
+              <a:rPr lang="id-ID" dirty="0" smtClean="0"/>
+              <a:t> </a:t>
+            </a:r>
+            <a:r>
+              <a:rPr lang="id-ID" dirty="0" err="1" smtClean="0"/>
+              <a:t>Javascript</a:t>
+            </a:r>
+            <a:r>
+              <a:rPr lang="id-ID" dirty="0" smtClean="0"/>
+              <a:t> API v3</a:t>
+            </a:r>
+            <a:endParaRPr lang="en-US" dirty="0" smtClean="0"/>
           </a:p>
           <a:p>
             <a:r>
@@ -4371,13 +4409,13 @@
   <p:clrMapOvr>
     <a:masterClrMapping/>
   </p:clrMapOvr>
-  <mc:AlternateContent xmlns:mc="http://schemas.openxmlformats.org/markup-compatibility/2006">
-    <mc:Choice xmlns:p14="http://schemas.microsoft.com/office/powerpoint/2010/main" Requires="p14">
+  <mc:AlternateContent xmlns:mc="http://schemas.openxmlformats.org/markup-compatibility/2006" xmlns:p14="http://schemas.microsoft.com/office/powerpoint/2010/main">
+    <mc:Choice Requires="p14">
       <p:transition spd="slow" p14:dur="1600">
         <p14:gallery dir="l"/>
       </p:transition>
     </mc:Choice>
-    <mc:Fallback>
+    <mc:Fallback xmlns="">
       <p:transition xmlns:p14="http://schemas.microsoft.com/office/powerpoint/2010/main" spd="slow">
         <p:fade/>
       </p:transition>
@@ -4386,7 +4424,7 @@
   <p:timing>
     <p:tnLst>
       <p:par>
-        <p:cTn xmlns:p14="http://schemas.microsoft.com/office/powerpoint/2010/main" id="1" dur="indefinite" restart="never" nodeType="tmRoot"/>
+        <p:cTn id="1" dur="indefinite" restart="never" nodeType="tmRoot"/>
       </p:par>
     </p:tnLst>
   </p:timing>
@@ -4394,6 +4432,879 @@
 </file>
 
 <file path=ppt/slides/slide4.xml><?xml version="1.0" encoding="utf-8"?>
+<p:sld xmlns:a="http://schemas.openxmlformats.org/drawingml/2006/main" xmlns:r="http://schemas.openxmlformats.org/officeDocument/2006/relationships" xmlns:p="http://schemas.openxmlformats.org/presentationml/2006/main">
+  <p:cSld>
+    <p:spTree>
+      <p:nvGrpSpPr>
+        <p:cNvPr id="1" name=""/>
+        <p:cNvGrpSpPr/>
+        <p:nvPr/>
+      </p:nvGrpSpPr>
+      <p:grpSpPr>
+        <a:xfrm>
+          <a:off x="0" y="0"/>
+          <a:ext cx="0" cy="0"/>
+          <a:chOff x="0" y="0"/>
+          <a:chExt cx="0" cy="0"/>
+        </a:xfrm>
+      </p:grpSpPr>
+      <p:sp>
+        <p:nvSpPr>
+          <p:cNvPr id="2" name="Title 1"/>
+          <p:cNvSpPr>
+            <a:spLocks noGrp="1"/>
+          </p:cNvSpPr>
+          <p:nvPr>
+            <p:ph type="title"/>
+          </p:nvPr>
+        </p:nvSpPr>
+        <p:spPr/>
+        <p:txBody>
+          <a:bodyPr>
+            <a:normAutofit fontScale="90000"/>
+          </a:bodyPr>
+          <a:lstStyle/>
+          <a:p>
+            <a:r>
+              <a:rPr lang="id-ID" dirty="0" err="1" smtClean="0"/>
+              <a:t>Query-query</a:t>
+            </a:r>
+            <a:r>
+              <a:rPr lang="id-ID" dirty="0" smtClean="0"/>
+              <a:t> </a:t>
+            </a:r>
+            <a:r>
+              <a:rPr lang="id-ID" dirty="0" err="1" smtClean="0"/>
+              <a:t>PostGIS</a:t>
+            </a:r>
+            <a:r>
+              <a:rPr lang="id-ID" dirty="0" smtClean="0"/>
+              <a:t> yang digunakan</a:t>
+            </a:r>
+            <a:endParaRPr lang="id-ID" dirty="0"/>
+          </a:p>
+        </p:txBody>
+      </p:sp>
+      <p:sp>
+        <p:nvSpPr>
+          <p:cNvPr id="3" name="Content Placeholder 2"/>
+          <p:cNvSpPr>
+            <a:spLocks noGrp="1"/>
+          </p:cNvSpPr>
+          <p:nvPr>
+            <p:ph sz="quarter" idx="1"/>
+          </p:nvPr>
+        </p:nvSpPr>
+        <p:spPr>
+          <a:xfrm>
+            <a:off x="457200" y="1600200"/>
+            <a:ext cx="8577470" cy="4495800"/>
+          </a:xfrm>
+        </p:spPr>
+        <p:txBody>
+          <a:bodyPr>
+            <a:noAutofit/>
+          </a:bodyPr>
+          <a:lstStyle/>
+          <a:p>
+            <a:r>
+              <a:rPr lang="id-ID" sz="1600" dirty="0" err="1" smtClean="0">
+                <a:latin typeface="Courier New" panose="02070309020205020404" pitchFamily="49" charset="0"/>
+                <a:cs typeface="Courier New" panose="02070309020205020404" pitchFamily="49" charset="0"/>
+              </a:rPr>
+              <a:t>geometry</a:t>
+            </a:r>
+            <a:r>
+              <a:rPr lang="id-ID" sz="1600" dirty="0" smtClean="0">
+                <a:latin typeface="Courier New" panose="02070309020205020404" pitchFamily="49" charset="0"/>
+                <a:cs typeface="Courier New" panose="02070309020205020404" pitchFamily="49" charset="0"/>
+              </a:rPr>
+              <a:t> </a:t>
+            </a:r>
+            <a:r>
+              <a:rPr lang="id-ID" sz="1600" b="1" dirty="0" err="1" smtClean="0">
+                <a:latin typeface="Courier New" panose="02070309020205020404" pitchFamily="49" charset="0"/>
+                <a:cs typeface="Courier New" panose="02070309020205020404" pitchFamily="49" charset="0"/>
+              </a:rPr>
+              <a:t>ST_GeomFromText</a:t>
+            </a:r>
+            <a:r>
+              <a:rPr lang="id-ID" sz="1600" dirty="0" smtClean="0">
+                <a:latin typeface="Courier New" panose="02070309020205020404" pitchFamily="49" charset="0"/>
+                <a:cs typeface="Courier New" panose="02070309020205020404" pitchFamily="49" charset="0"/>
+              </a:rPr>
+              <a:t>(</a:t>
+            </a:r>
+            <a:r>
+              <a:rPr lang="id-ID" sz="1600" dirty="0" err="1" smtClean="0">
+                <a:latin typeface="Courier New" panose="02070309020205020404" pitchFamily="49" charset="0"/>
+                <a:cs typeface="Courier New" panose="02070309020205020404" pitchFamily="49" charset="0"/>
+              </a:rPr>
+              <a:t>text</a:t>
+            </a:r>
+            <a:r>
+              <a:rPr lang="id-ID" sz="1600" dirty="0" smtClean="0">
+                <a:latin typeface="Courier New" panose="02070309020205020404" pitchFamily="49" charset="0"/>
+                <a:cs typeface="Courier New" panose="02070309020205020404" pitchFamily="49" charset="0"/>
+              </a:rPr>
+              <a:t> WKT)</a:t>
+            </a:r>
+          </a:p>
+          <a:p>
+            <a:r>
+              <a:rPr lang="id-ID" sz="1600" dirty="0" err="1" smtClean="0">
+                <a:latin typeface="Courier New" panose="02070309020205020404" pitchFamily="49" charset="0"/>
+                <a:cs typeface="Courier New" panose="02070309020205020404" pitchFamily="49" charset="0"/>
+              </a:rPr>
+              <a:t>text</a:t>
+            </a:r>
+            <a:r>
+              <a:rPr lang="id-ID" sz="1600" dirty="0" smtClean="0">
+                <a:latin typeface="Courier New" panose="02070309020205020404" pitchFamily="49" charset="0"/>
+                <a:cs typeface="Courier New" panose="02070309020205020404" pitchFamily="49" charset="0"/>
+              </a:rPr>
+              <a:t> </a:t>
+            </a:r>
+            <a:r>
+              <a:rPr lang="id-ID" sz="1600" b="1" dirty="0" err="1" smtClean="0">
+                <a:latin typeface="Courier New" panose="02070309020205020404" pitchFamily="49" charset="0"/>
+                <a:cs typeface="Courier New" panose="02070309020205020404" pitchFamily="49" charset="0"/>
+              </a:rPr>
+              <a:t>ST_AsGeoJSON</a:t>
+            </a:r>
+            <a:r>
+              <a:rPr lang="id-ID" sz="1600" dirty="0" smtClean="0">
+                <a:latin typeface="Courier New" panose="02070309020205020404" pitchFamily="49" charset="0"/>
+                <a:cs typeface="Courier New" panose="02070309020205020404" pitchFamily="49" charset="0"/>
+              </a:rPr>
+              <a:t>(</a:t>
+            </a:r>
+            <a:r>
+              <a:rPr lang="id-ID" sz="1600" dirty="0" err="1" smtClean="0">
+                <a:latin typeface="Courier New" panose="02070309020205020404" pitchFamily="49" charset="0"/>
+                <a:cs typeface="Courier New" panose="02070309020205020404" pitchFamily="49" charset="0"/>
+              </a:rPr>
+              <a:t>geometry</a:t>
+            </a:r>
+            <a:r>
+              <a:rPr lang="id-ID" sz="1600" dirty="0" smtClean="0">
+                <a:latin typeface="Courier New" panose="02070309020205020404" pitchFamily="49" charset="0"/>
+                <a:cs typeface="Courier New" panose="02070309020205020404" pitchFamily="49" charset="0"/>
+              </a:rPr>
+              <a:t> A)</a:t>
+            </a:r>
+          </a:p>
+          <a:p>
+            <a:r>
+              <a:rPr lang="id-ID" sz="1600" dirty="0" err="1" smtClean="0">
+                <a:latin typeface="Courier New" panose="02070309020205020404" pitchFamily="49" charset="0"/>
+                <a:cs typeface="Courier New" panose="02070309020205020404" pitchFamily="49" charset="0"/>
+              </a:rPr>
+              <a:t>boolean</a:t>
+            </a:r>
+            <a:r>
+              <a:rPr lang="id-ID" sz="1600" dirty="0" smtClean="0">
+                <a:latin typeface="Courier New" panose="02070309020205020404" pitchFamily="49" charset="0"/>
+                <a:cs typeface="Courier New" panose="02070309020205020404" pitchFamily="49" charset="0"/>
+              </a:rPr>
+              <a:t> </a:t>
+            </a:r>
+            <a:r>
+              <a:rPr lang="id-ID" sz="1600" b="1" dirty="0" err="1" smtClean="0">
+                <a:latin typeface="Courier New" panose="02070309020205020404" pitchFamily="49" charset="0"/>
+                <a:cs typeface="Courier New" panose="02070309020205020404" pitchFamily="49" charset="0"/>
+              </a:rPr>
+              <a:t>ST_Intersects</a:t>
+            </a:r>
+            <a:r>
+              <a:rPr lang="id-ID" sz="1600" dirty="0" smtClean="0">
+                <a:latin typeface="Courier New" panose="02070309020205020404" pitchFamily="49" charset="0"/>
+                <a:cs typeface="Courier New" panose="02070309020205020404" pitchFamily="49" charset="0"/>
+              </a:rPr>
+              <a:t>(</a:t>
+            </a:r>
+            <a:r>
+              <a:rPr lang="id-ID" sz="1600" dirty="0" err="1" smtClean="0">
+                <a:latin typeface="Courier New" panose="02070309020205020404" pitchFamily="49" charset="0"/>
+                <a:cs typeface="Courier New" panose="02070309020205020404" pitchFamily="49" charset="0"/>
+              </a:rPr>
+              <a:t>geometry</a:t>
+            </a:r>
+            <a:r>
+              <a:rPr lang="id-ID" sz="1600" dirty="0" smtClean="0">
+                <a:latin typeface="Courier New" panose="02070309020205020404" pitchFamily="49" charset="0"/>
+                <a:cs typeface="Courier New" panose="02070309020205020404" pitchFamily="49" charset="0"/>
+              </a:rPr>
+              <a:t> A, </a:t>
+            </a:r>
+            <a:r>
+              <a:rPr lang="id-ID" sz="1600" dirty="0" err="1" smtClean="0">
+                <a:latin typeface="Courier New" panose="02070309020205020404" pitchFamily="49" charset="0"/>
+                <a:cs typeface="Courier New" panose="02070309020205020404" pitchFamily="49" charset="0"/>
+              </a:rPr>
+              <a:t>geometry</a:t>
+            </a:r>
+            <a:r>
+              <a:rPr lang="id-ID" sz="1600" dirty="0" smtClean="0">
+                <a:latin typeface="Courier New" panose="02070309020205020404" pitchFamily="49" charset="0"/>
+                <a:cs typeface="Courier New" panose="02070309020205020404" pitchFamily="49" charset="0"/>
+              </a:rPr>
+              <a:t> B)</a:t>
+            </a:r>
+            <a:endParaRPr lang="id-ID" sz="1600" dirty="0">
+              <a:latin typeface="Courier New" panose="02070309020205020404" pitchFamily="49" charset="0"/>
+              <a:cs typeface="Courier New" panose="02070309020205020404" pitchFamily="49" charset="0"/>
+            </a:endParaRPr>
+          </a:p>
+          <a:p>
+            <a:r>
+              <a:rPr lang="id-ID" sz="1600" dirty="0" err="1">
+                <a:latin typeface="Courier New" panose="02070309020205020404" pitchFamily="49" charset="0"/>
+                <a:cs typeface="Courier New" panose="02070309020205020404" pitchFamily="49" charset="0"/>
+              </a:rPr>
+              <a:t>boolean</a:t>
+            </a:r>
+            <a:r>
+              <a:rPr lang="id-ID" sz="1600" dirty="0">
+                <a:latin typeface="Courier New" panose="02070309020205020404" pitchFamily="49" charset="0"/>
+                <a:cs typeface="Courier New" panose="02070309020205020404" pitchFamily="49" charset="0"/>
+              </a:rPr>
+              <a:t> </a:t>
+            </a:r>
+            <a:r>
+              <a:rPr lang="id-ID" sz="1600" b="1" dirty="0" err="1" smtClean="0">
+                <a:latin typeface="Courier New" panose="02070309020205020404" pitchFamily="49" charset="0"/>
+                <a:cs typeface="Courier New" panose="02070309020205020404" pitchFamily="49" charset="0"/>
+              </a:rPr>
+              <a:t>ST_Overlaps</a:t>
+            </a:r>
+            <a:r>
+              <a:rPr lang="id-ID" sz="1600" dirty="0" smtClean="0">
+                <a:latin typeface="Courier New" panose="02070309020205020404" pitchFamily="49" charset="0"/>
+                <a:cs typeface="Courier New" panose="02070309020205020404" pitchFamily="49" charset="0"/>
+              </a:rPr>
+              <a:t>(</a:t>
+            </a:r>
+            <a:r>
+              <a:rPr lang="id-ID" sz="1600" dirty="0" err="1" smtClean="0">
+                <a:latin typeface="Courier New" panose="02070309020205020404" pitchFamily="49" charset="0"/>
+                <a:cs typeface="Courier New" panose="02070309020205020404" pitchFamily="49" charset="0"/>
+              </a:rPr>
+              <a:t>geometry</a:t>
+            </a:r>
+            <a:r>
+              <a:rPr lang="id-ID" sz="1600" dirty="0" smtClean="0">
+                <a:latin typeface="Courier New" panose="02070309020205020404" pitchFamily="49" charset="0"/>
+                <a:cs typeface="Courier New" panose="02070309020205020404" pitchFamily="49" charset="0"/>
+              </a:rPr>
+              <a:t> </a:t>
+            </a:r>
+            <a:r>
+              <a:rPr lang="id-ID" sz="1600" dirty="0">
+                <a:latin typeface="Courier New" panose="02070309020205020404" pitchFamily="49" charset="0"/>
+                <a:cs typeface="Courier New" panose="02070309020205020404" pitchFamily="49" charset="0"/>
+              </a:rPr>
+              <a:t>A, </a:t>
+            </a:r>
+            <a:r>
+              <a:rPr lang="id-ID" sz="1600" dirty="0" err="1">
+                <a:latin typeface="Courier New" panose="02070309020205020404" pitchFamily="49" charset="0"/>
+                <a:cs typeface="Courier New" panose="02070309020205020404" pitchFamily="49" charset="0"/>
+              </a:rPr>
+              <a:t>geometry</a:t>
+            </a:r>
+            <a:r>
+              <a:rPr lang="id-ID" sz="1600" dirty="0">
+                <a:latin typeface="Courier New" panose="02070309020205020404" pitchFamily="49" charset="0"/>
+                <a:cs typeface="Courier New" panose="02070309020205020404" pitchFamily="49" charset="0"/>
+              </a:rPr>
+              <a:t> B)</a:t>
+            </a:r>
+          </a:p>
+          <a:p>
+            <a:r>
+              <a:rPr lang="id-ID" sz="1600" dirty="0" err="1">
+                <a:latin typeface="Courier New" panose="02070309020205020404" pitchFamily="49" charset="0"/>
+                <a:cs typeface="Courier New" panose="02070309020205020404" pitchFamily="49" charset="0"/>
+              </a:rPr>
+              <a:t>boolean</a:t>
+            </a:r>
+            <a:r>
+              <a:rPr lang="id-ID" sz="1600" dirty="0">
+                <a:latin typeface="Courier New" panose="02070309020205020404" pitchFamily="49" charset="0"/>
+                <a:cs typeface="Courier New" panose="02070309020205020404" pitchFamily="49" charset="0"/>
+              </a:rPr>
+              <a:t> </a:t>
+            </a:r>
+            <a:r>
+              <a:rPr lang="id-ID" sz="1600" b="1" dirty="0" err="1">
+                <a:latin typeface="Courier New" panose="02070309020205020404" pitchFamily="49" charset="0"/>
+                <a:cs typeface="Courier New" panose="02070309020205020404" pitchFamily="49" charset="0"/>
+              </a:rPr>
+              <a:t>ST_Equals</a:t>
+            </a:r>
+            <a:r>
+              <a:rPr lang="id-ID" sz="1600" dirty="0">
+                <a:latin typeface="Courier New" panose="02070309020205020404" pitchFamily="49" charset="0"/>
+                <a:cs typeface="Courier New" panose="02070309020205020404" pitchFamily="49" charset="0"/>
+              </a:rPr>
+              <a:t>(</a:t>
+            </a:r>
+            <a:r>
+              <a:rPr lang="id-ID" sz="1600" dirty="0" err="1">
+                <a:latin typeface="Courier New" panose="02070309020205020404" pitchFamily="49" charset="0"/>
+                <a:cs typeface="Courier New" panose="02070309020205020404" pitchFamily="49" charset="0"/>
+              </a:rPr>
+              <a:t>geometry</a:t>
+            </a:r>
+            <a:r>
+              <a:rPr lang="id-ID" sz="1600" dirty="0">
+                <a:latin typeface="Courier New" panose="02070309020205020404" pitchFamily="49" charset="0"/>
+                <a:cs typeface="Courier New" panose="02070309020205020404" pitchFamily="49" charset="0"/>
+              </a:rPr>
+              <a:t> A, </a:t>
+            </a:r>
+            <a:r>
+              <a:rPr lang="id-ID" sz="1600" dirty="0" err="1">
+                <a:latin typeface="Courier New" panose="02070309020205020404" pitchFamily="49" charset="0"/>
+                <a:cs typeface="Courier New" panose="02070309020205020404" pitchFamily="49" charset="0"/>
+              </a:rPr>
+              <a:t>geometry</a:t>
+            </a:r>
+            <a:r>
+              <a:rPr lang="id-ID" sz="1600" dirty="0">
+                <a:latin typeface="Courier New" panose="02070309020205020404" pitchFamily="49" charset="0"/>
+                <a:cs typeface="Courier New" panose="02070309020205020404" pitchFamily="49" charset="0"/>
+              </a:rPr>
+              <a:t> B</a:t>
+            </a:r>
+            <a:r>
+              <a:rPr lang="id-ID" sz="1600" dirty="0" smtClean="0">
+                <a:latin typeface="Courier New" panose="02070309020205020404" pitchFamily="49" charset="0"/>
+                <a:cs typeface="Courier New" panose="02070309020205020404" pitchFamily="49" charset="0"/>
+              </a:rPr>
+              <a:t>)</a:t>
+            </a:r>
+          </a:p>
+          <a:p>
+            <a:r>
+              <a:rPr lang="id-ID" sz="1600" dirty="0" err="1" smtClean="0">
+                <a:latin typeface="Courier New" panose="02070309020205020404" pitchFamily="49" charset="0"/>
+                <a:cs typeface="Courier New" panose="02070309020205020404" pitchFamily="49" charset="0"/>
+              </a:rPr>
+              <a:t>geometry</a:t>
+            </a:r>
+            <a:r>
+              <a:rPr lang="id-ID" sz="1600" dirty="0" smtClean="0">
+                <a:latin typeface="Courier New" panose="02070309020205020404" pitchFamily="49" charset="0"/>
+                <a:cs typeface="Courier New" panose="02070309020205020404" pitchFamily="49" charset="0"/>
+              </a:rPr>
+              <a:t> </a:t>
+            </a:r>
+            <a:r>
+              <a:rPr lang="id-ID" sz="1600" b="1" dirty="0" err="1" smtClean="0">
+                <a:latin typeface="Courier New" panose="02070309020205020404" pitchFamily="49" charset="0"/>
+                <a:cs typeface="Courier New" panose="02070309020205020404" pitchFamily="49" charset="0"/>
+              </a:rPr>
+              <a:t>ST_Buffer</a:t>
+            </a:r>
+            <a:r>
+              <a:rPr lang="id-ID" sz="1600" dirty="0" smtClean="0">
+                <a:latin typeface="Courier New" panose="02070309020205020404" pitchFamily="49" charset="0"/>
+                <a:cs typeface="Courier New" panose="02070309020205020404" pitchFamily="49" charset="0"/>
+              </a:rPr>
+              <a:t>(</a:t>
+            </a:r>
+            <a:r>
+              <a:rPr lang="id-ID" sz="1600" dirty="0" err="1" smtClean="0">
+                <a:latin typeface="Courier New" panose="02070309020205020404" pitchFamily="49" charset="0"/>
+                <a:cs typeface="Courier New" panose="02070309020205020404" pitchFamily="49" charset="0"/>
+              </a:rPr>
+              <a:t>geometry</a:t>
+            </a:r>
+            <a:r>
+              <a:rPr lang="id-ID" sz="1600" dirty="0" smtClean="0">
+                <a:latin typeface="Courier New" panose="02070309020205020404" pitchFamily="49" charset="0"/>
+                <a:cs typeface="Courier New" panose="02070309020205020404" pitchFamily="49" charset="0"/>
+              </a:rPr>
+              <a:t> A, </a:t>
+            </a:r>
+            <a:r>
+              <a:rPr lang="id-ID" sz="1600" dirty="0" err="1" smtClean="0">
+                <a:latin typeface="Courier New" panose="02070309020205020404" pitchFamily="49" charset="0"/>
+                <a:cs typeface="Courier New" panose="02070309020205020404" pitchFamily="49" charset="0"/>
+              </a:rPr>
+              <a:t>float</a:t>
+            </a:r>
+            <a:r>
+              <a:rPr lang="id-ID" sz="1600" dirty="0" smtClean="0">
+                <a:latin typeface="Courier New" panose="02070309020205020404" pitchFamily="49" charset="0"/>
+                <a:cs typeface="Courier New" panose="02070309020205020404" pitchFamily="49" charset="0"/>
+              </a:rPr>
+              <a:t> radius)</a:t>
+            </a:r>
+          </a:p>
+          <a:p>
+            <a:r>
+              <a:rPr lang="id-ID" sz="1600" dirty="0" err="1" smtClean="0">
+                <a:latin typeface="Courier New" panose="02070309020205020404" pitchFamily="49" charset="0"/>
+                <a:cs typeface="Courier New" panose="02070309020205020404" pitchFamily="49" charset="0"/>
+              </a:rPr>
+              <a:t>geometry</a:t>
+            </a:r>
+            <a:r>
+              <a:rPr lang="id-ID" sz="1600" dirty="0" smtClean="0">
+                <a:latin typeface="Courier New" panose="02070309020205020404" pitchFamily="49" charset="0"/>
+                <a:cs typeface="Courier New" panose="02070309020205020404" pitchFamily="49" charset="0"/>
+              </a:rPr>
+              <a:t> </a:t>
+            </a:r>
+            <a:r>
+              <a:rPr lang="id-ID" sz="1600" b="1" dirty="0" err="1" smtClean="0">
+                <a:latin typeface="Courier New" panose="02070309020205020404" pitchFamily="49" charset="0"/>
+                <a:cs typeface="Courier New" panose="02070309020205020404" pitchFamily="49" charset="0"/>
+              </a:rPr>
+              <a:t>ST_LineSubstring</a:t>
+            </a:r>
+            <a:r>
+              <a:rPr lang="id-ID" sz="1600" dirty="0" smtClean="0">
+                <a:latin typeface="Courier New" panose="02070309020205020404" pitchFamily="49" charset="0"/>
+                <a:cs typeface="Courier New" panose="02070309020205020404" pitchFamily="49" charset="0"/>
+              </a:rPr>
+              <a:t>(</a:t>
+            </a:r>
+            <a:r>
+              <a:rPr lang="id-ID" sz="1600" dirty="0" err="1" smtClean="0">
+                <a:latin typeface="Courier New" panose="02070309020205020404" pitchFamily="49" charset="0"/>
+                <a:cs typeface="Courier New" panose="02070309020205020404" pitchFamily="49" charset="0"/>
+              </a:rPr>
+              <a:t>geometry</a:t>
+            </a:r>
+            <a:r>
+              <a:rPr lang="id-ID" sz="1600" dirty="0" smtClean="0">
+                <a:latin typeface="Courier New" panose="02070309020205020404" pitchFamily="49" charset="0"/>
+                <a:cs typeface="Courier New" panose="02070309020205020404" pitchFamily="49" charset="0"/>
+              </a:rPr>
+              <a:t> A, </a:t>
+            </a:r>
+            <a:r>
+              <a:rPr lang="id-ID" sz="1600" dirty="0" err="1" smtClean="0">
+                <a:latin typeface="Courier New" panose="02070309020205020404" pitchFamily="49" charset="0"/>
+                <a:cs typeface="Courier New" panose="02070309020205020404" pitchFamily="49" charset="0"/>
+              </a:rPr>
+              <a:t>float</a:t>
+            </a:r>
+            <a:r>
+              <a:rPr lang="id-ID" sz="1600" dirty="0" smtClean="0">
+                <a:latin typeface="Courier New" panose="02070309020205020404" pitchFamily="49" charset="0"/>
+                <a:cs typeface="Courier New" panose="02070309020205020404" pitchFamily="49" charset="0"/>
+              </a:rPr>
+              <a:t> start, </a:t>
+            </a:r>
+            <a:r>
+              <a:rPr lang="id-ID" sz="1600" dirty="0" err="1" smtClean="0">
+                <a:latin typeface="Courier New" panose="02070309020205020404" pitchFamily="49" charset="0"/>
+                <a:cs typeface="Courier New" panose="02070309020205020404" pitchFamily="49" charset="0"/>
+              </a:rPr>
+              <a:t>float</a:t>
+            </a:r>
+            <a:r>
+              <a:rPr lang="id-ID" sz="1600" dirty="0" smtClean="0">
+                <a:latin typeface="Courier New" panose="02070309020205020404" pitchFamily="49" charset="0"/>
+                <a:cs typeface="Courier New" panose="02070309020205020404" pitchFamily="49" charset="0"/>
+              </a:rPr>
+              <a:t> </a:t>
+            </a:r>
+            <a:r>
+              <a:rPr lang="id-ID" sz="1600" dirty="0" err="1" smtClean="0">
+                <a:latin typeface="Courier New" panose="02070309020205020404" pitchFamily="49" charset="0"/>
+                <a:cs typeface="Courier New" panose="02070309020205020404" pitchFamily="49" charset="0"/>
+              </a:rPr>
+              <a:t>end</a:t>
+            </a:r>
+            <a:r>
+              <a:rPr lang="id-ID" sz="1600" dirty="0" smtClean="0">
+                <a:latin typeface="Courier New" panose="02070309020205020404" pitchFamily="49" charset="0"/>
+                <a:cs typeface="Courier New" panose="02070309020205020404" pitchFamily="49" charset="0"/>
+              </a:rPr>
+              <a:t>)</a:t>
+            </a:r>
+          </a:p>
+          <a:p>
+            <a:r>
+              <a:rPr lang="id-ID" sz="1600" dirty="0" err="1" smtClean="0">
+                <a:latin typeface="Courier New" panose="02070309020205020404" pitchFamily="49" charset="0"/>
+                <a:cs typeface="Courier New" panose="02070309020205020404" pitchFamily="49" charset="0"/>
+              </a:rPr>
+              <a:t>geometry</a:t>
+            </a:r>
+            <a:r>
+              <a:rPr lang="id-ID" sz="1600" dirty="0" smtClean="0">
+                <a:latin typeface="Courier New" panose="02070309020205020404" pitchFamily="49" charset="0"/>
+                <a:cs typeface="Courier New" panose="02070309020205020404" pitchFamily="49" charset="0"/>
+              </a:rPr>
+              <a:t> </a:t>
+            </a:r>
+            <a:r>
+              <a:rPr lang="id-ID" sz="1600" b="1" dirty="0" err="1" smtClean="0">
+                <a:latin typeface="Courier New" panose="02070309020205020404" pitchFamily="49" charset="0"/>
+                <a:cs typeface="Courier New" panose="02070309020205020404" pitchFamily="49" charset="0"/>
+              </a:rPr>
+              <a:t>ST_Intersection</a:t>
+            </a:r>
+            <a:r>
+              <a:rPr lang="id-ID" sz="1600" dirty="0" smtClean="0">
+                <a:latin typeface="Courier New" panose="02070309020205020404" pitchFamily="49" charset="0"/>
+                <a:cs typeface="Courier New" panose="02070309020205020404" pitchFamily="49" charset="0"/>
+              </a:rPr>
+              <a:t>(</a:t>
+            </a:r>
+            <a:r>
+              <a:rPr lang="id-ID" sz="1600" dirty="0" err="1" smtClean="0">
+                <a:latin typeface="Courier New" panose="02070309020205020404" pitchFamily="49" charset="0"/>
+                <a:cs typeface="Courier New" panose="02070309020205020404" pitchFamily="49" charset="0"/>
+              </a:rPr>
+              <a:t>geometry</a:t>
+            </a:r>
+            <a:r>
+              <a:rPr lang="id-ID" sz="1600" dirty="0" smtClean="0">
+                <a:latin typeface="Courier New" panose="02070309020205020404" pitchFamily="49" charset="0"/>
+                <a:cs typeface="Courier New" panose="02070309020205020404" pitchFamily="49" charset="0"/>
+              </a:rPr>
+              <a:t> A, </a:t>
+            </a:r>
+            <a:r>
+              <a:rPr lang="id-ID" sz="1600" dirty="0" err="1" smtClean="0">
+                <a:latin typeface="Courier New" panose="02070309020205020404" pitchFamily="49" charset="0"/>
+                <a:cs typeface="Courier New" panose="02070309020205020404" pitchFamily="49" charset="0"/>
+              </a:rPr>
+              <a:t>geometry</a:t>
+            </a:r>
+            <a:r>
+              <a:rPr lang="id-ID" sz="1600" dirty="0" smtClean="0">
+                <a:latin typeface="Courier New" panose="02070309020205020404" pitchFamily="49" charset="0"/>
+                <a:cs typeface="Courier New" panose="02070309020205020404" pitchFamily="49" charset="0"/>
+              </a:rPr>
+              <a:t> B)</a:t>
+            </a:r>
+          </a:p>
+          <a:p>
+            <a:r>
+              <a:rPr lang="id-ID" sz="1600" dirty="0" err="1" smtClean="0">
+                <a:latin typeface="Courier New" panose="02070309020205020404" pitchFamily="49" charset="0"/>
+                <a:cs typeface="Courier New" panose="02070309020205020404" pitchFamily="49" charset="0"/>
+              </a:rPr>
+              <a:t>geometry</a:t>
+            </a:r>
+            <a:r>
+              <a:rPr lang="id-ID" sz="1600" dirty="0" smtClean="0">
+                <a:latin typeface="Courier New" panose="02070309020205020404" pitchFamily="49" charset="0"/>
+                <a:cs typeface="Courier New" panose="02070309020205020404" pitchFamily="49" charset="0"/>
+              </a:rPr>
+              <a:t> </a:t>
+            </a:r>
+            <a:r>
+              <a:rPr lang="id-ID" sz="1600" b="1" dirty="0" err="1" smtClean="0">
+                <a:latin typeface="Courier New" panose="02070309020205020404" pitchFamily="49" charset="0"/>
+                <a:cs typeface="Courier New" panose="02070309020205020404" pitchFamily="49" charset="0"/>
+              </a:rPr>
+              <a:t>ST_StartPoint</a:t>
+            </a:r>
+            <a:r>
+              <a:rPr lang="id-ID" sz="1600" dirty="0" smtClean="0">
+                <a:latin typeface="Courier New" panose="02070309020205020404" pitchFamily="49" charset="0"/>
+                <a:cs typeface="Courier New" panose="02070309020205020404" pitchFamily="49" charset="0"/>
+              </a:rPr>
+              <a:t>(</a:t>
+            </a:r>
+            <a:r>
+              <a:rPr lang="id-ID" sz="1600" dirty="0" err="1" smtClean="0">
+                <a:latin typeface="Courier New" panose="02070309020205020404" pitchFamily="49" charset="0"/>
+                <a:cs typeface="Courier New" panose="02070309020205020404" pitchFamily="49" charset="0"/>
+              </a:rPr>
+              <a:t>geometry</a:t>
+            </a:r>
+            <a:r>
+              <a:rPr lang="id-ID" sz="1600" dirty="0" smtClean="0">
+                <a:latin typeface="Courier New" panose="02070309020205020404" pitchFamily="49" charset="0"/>
+                <a:cs typeface="Courier New" panose="02070309020205020404" pitchFamily="49" charset="0"/>
+              </a:rPr>
+              <a:t> A)</a:t>
+            </a:r>
+          </a:p>
+          <a:p>
+            <a:r>
+              <a:rPr lang="id-ID" sz="1600" dirty="0" err="1" smtClean="0">
+                <a:latin typeface="Courier New" panose="02070309020205020404" pitchFamily="49" charset="0"/>
+                <a:cs typeface="Courier New" panose="02070309020205020404" pitchFamily="49" charset="0"/>
+              </a:rPr>
+              <a:t>float</a:t>
+            </a:r>
+            <a:r>
+              <a:rPr lang="id-ID" sz="1600" dirty="0" smtClean="0">
+                <a:latin typeface="Courier New" panose="02070309020205020404" pitchFamily="49" charset="0"/>
+                <a:cs typeface="Courier New" panose="02070309020205020404" pitchFamily="49" charset="0"/>
+              </a:rPr>
+              <a:t> </a:t>
+            </a:r>
+            <a:r>
+              <a:rPr lang="id-ID" sz="1600" b="1" dirty="0" err="1" smtClean="0">
+                <a:latin typeface="Courier New" panose="02070309020205020404" pitchFamily="49" charset="0"/>
+                <a:cs typeface="Courier New" panose="02070309020205020404" pitchFamily="49" charset="0"/>
+              </a:rPr>
+              <a:t>ST_LineLocatePoint</a:t>
+            </a:r>
+            <a:r>
+              <a:rPr lang="id-ID" sz="1600" dirty="0" smtClean="0">
+                <a:latin typeface="Courier New" panose="02070309020205020404" pitchFamily="49" charset="0"/>
+                <a:cs typeface="Courier New" panose="02070309020205020404" pitchFamily="49" charset="0"/>
+              </a:rPr>
+              <a:t>(</a:t>
+            </a:r>
+            <a:r>
+              <a:rPr lang="id-ID" sz="1600" dirty="0" err="1" smtClean="0">
+                <a:latin typeface="Courier New" panose="02070309020205020404" pitchFamily="49" charset="0"/>
+                <a:cs typeface="Courier New" panose="02070309020205020404" pitchFamily="49" charset="0"/>
+              </a:rPr>
+              <a:t>geometry</a:t>
+            </a:r>
+            <a:r>
+              <a:rPr lang="id-ID" sz="1600" dirty="0" smtClean="0">
+                <a:latin typeface="Courier New" panose="02070309020205020404" pitchFamily="49" charset="0"/>
+                <a:cs typeface="Courier New" panose="02070309020205020404" pitchFamily="49" charset="0"/>
+              </a:rPr>
+              <a:t> </a:t>
+            </a:r>
+            <a:r>
+              <a:rPr lang="id-ID" sz="1600" dirty="0" err="1" smtClean="0">
+                <a:latin typeface="Courier New" panose="02070309020205020404" pitchFamily="49" charset="0"/>
+                <a:cs typeface="Courier New" panose="02070309020205020404" pitchFamily="49" charset="0"/>
+              </a:rPr>
+              <a:t>a_linestring</a:t>
+            </a:r>
+            <a:r>
+              <a:rPr lang="id-ID" sz="1600" dirty="0" smtClean="0">
+                <a:latin typeface="Courier New" panose="02070309020205020404" pitchFamily="49" charset="0"/>
+                <a:cs typeface="Courier New" panose="02070309020205020404" pitchFamily="49" charset="0"/>
+              </a:rPr>
+              <a:t>, </a:t>
+            </a:r>
+            <a:r>
+              <a:rPr lang="id-ID" sz="1600" dirty="0" err="1" smtClean="0">
+                <a:latin typeface="Courier New" panose="02070309020205020404" pitchFamily="49" charset="0"/>
+                <a:cs typeface="Courier New" panose="02070309020205020404" pitchFamily="49" charset="0"/>
+              </a:rPr>
+              <a:t>geometry</a:t>
+            </a:r>
+            <a:r>
+              <a:rPr lang="id-ID" sz="1600" dirty="0" smtClean="0">
+                <a:latin typeface="Courier New" panose="02070309020205020404" pitchFamily="49" charset="0"/>
+                <a:cs typeface="Courier New" panose="02070309020205020404" pitchFamily="49" charset="0"/>
+              </a:rPr>
+              <a:t> </a:t>
+            </a:r>
+            <a:r>
+              <a:rPr lang="id-ID" sz="1600" dirty="0" err="1" smtClean="0">
+                <a:latin typeface="Courier New" panose="02070309020205020404" pitchFamily="49" charset="0"/>
+                <a:cs typeface="Courier New" panose="02070309020205020404" pitchFamily="49" charset="0"/>
+              </a:rPr>
+              <a:t>a_point</a:t>
+            </a:r>
+            <a:r>
+              <a:rPr lang="id-ID" sz="1600" dirty="0" smtClean="0">
+                <a:latin typeface="Courier New" panose="02070309020205020404" pitchFamily="49" charset="0"/>
+                <a:cs typeface="Courier New" panose="02070309020205020404" pitchFamily="49" charset="0"/>
+              </a:rPr>
+              <a:t>)</a:t>
+            </a:r>
+          </a:p>
+          <a:p>
+            <a:r>
+              <a:rPr lang="id-ID" sz="1600" dirty="0" err="1">
+                <a:latin typeface="Courier New" panose="02070309020205020404" pitchFamily="49" charset="0"/>
+                <a:cs typeface="Courier New" panose="02070309020205020404" pitchFamily="49" charset="0"/>
+              </a:rPr>
+              <a:t>text</a:t>
+            </a:r>
+            <a:r>
+              <a:rPr lang="id-ID" sz="1600" dirty="0">
+                <a:latin typeface="Courier New" panose="02070309020205020404" pitchFamily="49" charset="0"/>
+                <a:cs typeface="Courier New" panose="02070309020205020404" pitchFamily="49" charset="0"/>
+              </a:rPr>
+              <a:t> </a:t>
+            </a:r>
+            <a:r>
+              <a:rPr lang="id-ID" sz="1600" b="1" dirty="0" err="1">
+                <a:latin typeface="Courier New" panose="02070309020205020404" pitchFamily="49" charset="0"/>
+                <a:cs typeface="Courier New" panose="02070309020205020404" pitchFamily="49" charset="0"/>
+              </a:rPr>
+              <a:t>ST_GeometryType</a:t>
+            </a:r>
+            <a:r>
+              <a:rPr lang="id-ID" sz="1600" dirty="0">
+                <a:latin typeface="Courier New" panose="02070309020205020404" pitchFamily="49" charset="0"/>
+                <a:cs typeface="Courier New" panose="02070309020205020404" pitchFamily="49" charset="0"/>
+              </a:rPr>
+              <a:t>(</a:t>
+            </a:r>
+            <a:r>
+              <a:rPr lang="id-ID" sz="1600" dirty="0" err="1">
+                <a:latin typeface="Courier New" panose="02070309020205020404" pitchFamily="49" charset="0"/>
+                <a:cs typeface="Courier New" panose="02070309020205020404" pitchFamily="49" charset="0"/>
+              </a:rPr>
+              <a:t>geometry</a:t>
+            </a:r>
+            <a:r>
+              <a:rPr lang="id-ID" sz="1600">
+                <a:latin typeface="Courier New" panose="02070309020205020404" pitchFamily="49" charset="0"/>
+                <a:cs typeface="Courier New" panose="02070309020205020404" pitchFamily="49" charset="0"/>
+              </a:rPr>
+              <a:t> </a:t>
+            </a:r>
+            <a:r>
+              <a:rPr lang="id-ID" sz="1600">
+                <a:latin typeface="Courier New" panose="02070309020205020404" pitchFamily="49" charset="0"/>
+                <a:cs typeface="Courier New" panose="02070309020205020404" pitchFamily="49" charset="0"/>
+              </a:rPr>
+              <a:t>A</a:t>
+            </a:r>
+            <a:r>
+              <a:rPr lang="id-ID" sz="1600" smtClean="0">
+                <a:latin typeface="Courier New" panose="02070309020205020404" pitchFamily="49" charset="0"/>
+                <a:cs typeface="Courier New" panose="02070309020205020404" pitchFamily="49" charset="0"/>
+              </a:rPr>
+              <a:t>)</a:t>
+            </a:r>
+            <a:endParaRPr lang="id-ID" sz="1600" dirty="0" smtClean="0">
+              <a:latin typeface="Courier New" panose="02070309020205020404" pitchFamily="49" charset="0"/>
+              <a:cs typeface="Courier New" panose="02070309020205020404" pitchFamily="49" charset="0"/>
+            </a:endParaRPr>
+          </a:p>
+          <a:p>
+            <a:r>
+              <a:rPr lang="id-ID" sz="1600" dirty="0" err="1" smtClean="0">
+                <a:latin typeface="Courier New" panose="02070309020205020404" pitchFamily="49" charset="0"/>
+                <a:cs typeface="Courier New" panose="02070309020205020404" pitchFamily="49" charset="0"/>
+              </a:rPr>
+              <a:t>integer</a:t>
+            </a:r>
+            <a:r>
+              <a:rPr lang="id-ID" sz="1600" dirty="0" smtClean="0">
+                <a:latin typeface="Courier New" panose="02070309020205020404" pitchFamily="49" charset="0"/>
+                <a:cs typeface="Courier New" panose="02070309020205020404" pitchFamily="49" charset="0"/>
+              </a:rPr>
+              <a:t> </a:t>
+            </a:r>
+            <a:r>
+              <a:rPr lang="id-ID" sz="1600" b="1" dirty="0" err="1" smtClean="0">
+                <a:latin typeface="Courier New" panose="02070309020205020404" pitchFamily="49" charset="0"/>
+                <a:cs typeface="Courier New" panose="02070309020205020404" pitchFamily="49" charset="0"/>
+              </a:rPr>
+              <a:t>ST_NumGeometries</a:t>
+            </a:r>
+            <a:r>
+              <a:rPr lang="id-ID" sz="1600" dirty="0" smtClean="0">
+                <a:latin typeface="Courier New" panose="02070309020205020404" pitchFamily="49" charset="0"/>
+                <a:cs typeface="Courier New" panose="02070309020205020404" pitchFamily="49" charset="0"/>
+              </a:rPr>
+              <a:t>(</a:t>
+            </a:r>
+            <a:r>
+              <a:rPr lang="id-ID" sz="1600" dirty="0" err="1" smtClean="0">
+                <a:latin typeface="Courier New" panose="02070309020205020404" pitchFamily="49" charset="0"/>
+                <a:cs typeface="Courier New" panose="02070309020205020404" pitchFamily="49" charset="0"/>
+              </a:rPr>
+              <a:t>geometry</a:t>
+            </a:r>
+            <a:r>
+              <a:rPr lang="id-ID" sz="1600" dirty="0" smtClean="0">
+                <a:latin typeface="Courier New" panose="02070309020205020404" pitchFamily="49" charset="0"/>
+                <a:cs typeface="Courier New" panose="02070309020205020404" pitchFamily="49" charset="0"/>
+              </a:rPr>
+              <a:t> A)</a:t>
+            </a:r>
+          </a:p>
+          <a:p>
+            <a:r>
+              <a:rPr lang="id-ID" sz="1600" dirty="0" err="1">
+                <a:latin typeface="Courier New" panose="02070309020205020404" pitchFamily="49" charset="0"/>
+                <a:cs typeface="Courier New" panose="02070309020205020404" pitchFamily="49" charset="0"/>
+              </a:rPr>
+              <a:t>geometry</a:t>
+            </a:r>
+            <a:r>
+              <a:rPr lang="id-ID" sz="1600" dirty="0">
+                <a:latin typeface="Courier New" panose="02070309020205020404" pitchFamily="49" charset="0"/>
+                <a:cs typeface="Courier New" panose="02070309020205020404" pitchFamily="49" charset="0"/>
+              </a:rPr>
+              <a:t> </a:t>
+            </a:r>
+            <a:r>
+              <a:rPr lang="id-ID" sz="1600" b="1" dirty="0" err="1">
+                <a:latin typeface="Courier New" panose="02070309020205020404" pitchFamily="49" charset="0"/>
+                <a:cs typeface="Courier New" panose="02070309020205020404" pitchFamily="49" charset="0"/>
+              </a:rPr>
+              <a:t>ST_GeometryN</a:t>
+            </a:r>
+            <a:r>
+              <a:rPr lang="id-ID" sz="1600" dirty="0">
+                <a:latin typeface="Courier New" panose="02070309020205020404" pitchFamily="49" charset="0"/>
+                <a:cs typeface="Courier New" panose="02070309020205020404" pitchFamily="49" charset="0"/>
+              </a:rPr>
+              <a:t>(</a:t>
+            </a:r>
+            <a:r>
+              <a:rPr lang="id-ID" sz="1600" dirty="0" err="1">
+                <a:latin typeface="Courier New" panose="02070309020205020404" pitchFamily="49" charset="0"/>
+                <a:cs typeface="Courier New" panose="02070309020205020404" pitchFamily="49" charset="0"/>
+              </a:rPr>
+              <a:t>geometry</a:t>
+            </a:r>
+            <a:r>
+              <a:rPr lang="id-ID" sz="1600" dirty="0">
+                <a:latin typeface="Courier New" panose="02070309020205020404" pitchFamily="49" charset="0"/>
+                <a:cs typeface="Courier New" panose="02070309020205020404" pitchFamily="49" charset="0"/>
+              </a:rPr>
+              <a:t> A, </a:t>
+            </a:r>
+            <a:r>
+              <a:rPr lang="id-ID" sz="1600" dirty="0" err="1">
+                <a:latin typeface="Courier New" panose="02070309020205020404" pitchFamily="49" charset="0"/>
+                <a:cs typeface="Courier New" panose="02070309020205020404" pitchFamily="49" charset="0"/>
+              </a:rPr>
+              <a:t>integer</a:t>
+            </a:r>
+            <a:r>
+              <a:rPr lang="id-ID" sz="1600" dirty="0">
+                <a:latin typeface="Courier New" panose="02070309020205020404" pitchFamily="49" charset="0"/>
+                <a:cs typeface="Courier New" panose="02070309020205020404" pitchFamily="49" charset="0"/>
+              </a:rPr>
+              <a:t> N</a:t>
+            </a:r>
+            <a:r>
+              <a:rPr lang="id-ID" sz="1600" dirty="0" smtClean="0">
+                <a:latin typeface="Courier New" panose="02070309020205020404" pitchFamily="49" charset="0"/>
+                <a:cs typeface="Courier New" panose="02070309020205020404" pitchFamily="49" charset="0"/>
+              </a:rPr>
+              <a:t>)</a:t>
+            </a:r>
+          </a:p>
+        </p:txBody>
+      </p:sp>
+    </p:spTree>
+    <p:extLst>
+      <p:ext uri="{BB962C8B-B14F-4D97-AF65-F5344CB8AC3E}">
+        <p14:creationId xmlns:p14="http://schemas.microsoft.com/office/powerpoint/2010/main" val="2191119276"/>
+      </p:ext>
+    </p:extLst>
+  </p:cSld>
+  <p:clrMapOvr>
+    <a:masterClrMapping/>
+  </p:clrMapOvr>
+</p:sld>
+</file>
+
+<file path=ppt/slides/slide5.xml><?xml version="1.0" encoding="utf-8"?>
 <p:sld xmlns:a="http://schemas.openxmlformats.org/drawingml/2006/main" xmlns:r="http://schemas.openxmlformats.org/officeDocument/2006/relationships" xmlns:p="http://schemas.openxmlformats.org/presentationml/2006/main">
   <p:cSld>
     <p:spTree>
@@ -4636,13 +5547,13 @@
   <p:clrMapOvr>
     <a:masterClrMapping/>
   </p:clrMapOvr>
-  <mc:AlternateContent xmlns:mc="http://schemas.openxmlformats.org/markup-compatibility/2006">
-    <mc:Choice xmlns:p14="http://schemas.microsoft.com/office/powerpoint/2010/main" Requires="p14">
+  <mc:AlternateContent xmlns:mc="http://schemas.openxmlformats.org/markup-compatibility/2006" xmlns:p14="http://schemas.microsoft.com/office/powerpoint/2010/main">
+    <mc:Choice Requires="p14">
       <p:transition spd="slow" p14:dur="1100">
         <p14:switch dir="r"/>
       </p:transition>
     </mc:Choice>
-    <mc:Fallback>
+    <mc:Fallback xmlns="">
       <p:transition xmlns:p14="http://schemas.microsoft.com/office/powerpoint/2010/main" spd="slow">
         <p:fade/>
       </p:transition>
@@ -4651,14 +5562,14 @@
   <p:timing>
     <p:tnLst>
       <p:par>
-        <p:cTn xmlns:p14="http://schemas.microsoft.com/office/powerpoint/2010/main" id="1" dur="indefinite" restart="never" nodeType="tmRoot"/>
+        <p:cTn id="1" dur="indefinite" restart="never" nodeType="tmRoot"/>
       </p:par>
     </p:tnLst>
   </p:timing>
 </p:sld>
 </file>
 
-<file path=ppt/slides/slide5.xml><?xml version="1.0" encoding="utf-8"?>
+<file path=ppt/slides/slide6.xml><?xml version="1.0" encoding="utf-8"?>
 <p:sld xmlns:a="http://schemas.openxmlformats.org/drawingml/2006/main" xmlns:r="http://schemas.openxmlformats.org/officeDocument/2006/relationships" xmlns:p="http://schemas.openxmlformats.org/presentationml/2006/main">
   <p:cSld>
     <p:spTree>
@@ -4804,13 +5715,13 @@
   <p:clrMapOvr>
     <a:masterClrMapping/>
   </p:clrMapOvr>
-  <mc:AlternateContent xmlns:mc="http://schemas.openxmlformats.org/markup-compatibility/2006">
-    <mc:Choice xmlns:p14="http://schemas.microsoft.com/office/powerpoint/2010/main" Requires="p14">
+  <mc:AlternateContent xmlns:mc="http://schemas.openxmlformats.org/markup-compatibility/2006" xmlns:p14="http://schemas.microsoft.com/office/powerpoint/2010/main">
+    <mc:Choice Requires="p14">
       <p:transition spd="slow" p14:dur="3000">
         <p14:shred/>
       </p:transition>
     </mc:Choice>
-    <mc:Fallback>
+    <mc:Fallback xmlns="">
       <p:transition xmlns:p14="http://schemas.microsoft.com/office/powerpoint/2010/main" spd="slow">
         <p:fade/>
       </p:transition>
@@ -4819,14 +5730,14 @@
   <p:timing>
     <p:tnLst>
       <p:par>
-        <p:cTn xmlns:p14="http://schemas.microsoft.com/office/powerpoint/2010/main" id="1" dur="indefinite" restart="never" nodeType="tmRoot"/>
+        <p:cTn id="1" dur="indefinite" restart="never" nodeType="tmRoot"/>
       </p:par>
     </p:tnLst>
   </p:timing>
 </p:sld>
 </file>
 
-<file path=ppt/slides/slide6.xml><?xml version="1.0" encoding="utf-8"?>
+<file path=ppt/slides/slide7.xml><?xml version="1.0" encoding="utf-8"?>
 <p:sld xmlns:a="http://schemas.openxmlformats.org/drawingml/2006/main" xmlns:r="http://schemas.openxmlformats.org/officeDocument/2006/relationships" xmlns:p="http://schemas.openxmlformats.org/presentationml/2006/main">
   <p:cSld>
     <p:spTree>
@@ -4902,7 +5813,10 @@
           <a:bodyPr/>
           <a:lstStyle/>
           <a:p>
-            <a:pPr lvl="0"/>
+            <a:pPr marL="514350" lvl="0" indent="-514350">
+              <a:buFont typeface="+mj-lt"/>
+              <a:buAutoNum type="arabicPeriod"/>
+            </a:pPr>
             <a:r>
               <a:rPr lang="en-US" dirty="0" err="1"/>
               <a:t>Pengguna</a:t>
@@ -4974,7 +5888,10 @@
             <a:endParaRPr lang="en-US" dirty="0"/>
           </a:p>
           <a:p>
-            <a:pPr lvl="0"/>
+            <a:pPr marL="514350" lvl="0" indent="-514350">
+              <a:buFont typeface="+mj-lt"/>
+              <a:buAutoNum type="arabicPeriod"/>
+            </a:pPr>
             <a:r>
               <a:rPr lang="en-US" dirty="0" err="1"/>
               <a:t>Aplikasi</a:t>
@@ -5022,7 +5939,10 @@
             <a:endParaRPr lang="en-US" dirty="0"/>
           </a:p>
           <a:p>
-            <a:pPr lvl="0"/>
+            <a:pPr marL="514350" lvl="0" indent="-514350">
+              <a:buFont typeface="+mj-lt"/>
+              <a:buAutoNum type="arabicPeriod"/>
+            </a:pPr>
             <a:r>
               <a:rPr lang="en-US" dirty="0" err="1"/>
               <a:t>Postgis</a:t>
@@ -5070,6 +5990,10 @@
             <a:endParaRPr lang="en-US" dirty="0"/>
           </a:p>
           <a:p>
+            <a:pPr marL="514350" indent="-514350">
+              <a:buFont typeface="+mj-lt"/>
+              <a:buAutoNum type="arabicPeriod"/>
+            </a:pPr>
             <a:r>
               <a:rPr lang="en-US" dirty="0" err="1"/>
               <a:t>Peta</a:t>
@@ -5150,13 +6074,13 @@
   <p:clrMapOvr>
     <a:masterClrMapping/>
   </p:clrMapOvr>
-  <mc:AlternateContent xmlns:mc="http://schemas.openxmlformats.org/markup-compatibility/2006">
-    <mc:Choice xmlns:p14="http://schemas.microsoft.com/office/powerpoint/2010/main" Requires="p14">
+  <mc:AlternateContent xmlns:mc="http://schemas.openxmlformats.org/markup-compatibility/2006" xmlns:p14="http://schemas.microsoft.com/office/powerpoint/2010/main">
+    <mc:Choice Requires="p14">
       <p:transition spd="slow" p14:dur="1200">
         <p14:prism/>
       </p:transition>
     </mc:Choice>
-    <mc:Fallback>
+    <mc:Fallback xmlns="">
       <p:transition xmlns:p14="http://schemas.microsoft.com/office/powerpoint/2010/main" spd="slow">
         <p:fade/>
       </p:transition>
@@ -5165,14 +6089,14 @@
   <p:timing>
     <p:tnLst>
       <p:par>
-        <p:cTn xmlns:p14="http://schemas.microsoft.com/office/powerpoint/2010/main" id="1" dur="indefinite" restart="never" nodeType="tmRoot"/>
+        <p:cTn id="1" dur="indefinite" restart="never" nodeType="tmRoot"/>
       </p:par>
     </p:tnLst>
   </p:timing>
 </p:sld>
 </file>
 
-<file path=ppt/slides/slide7.xml><?xml version="1.0" encoding="utf-8"?>
+<file path=ppt/slides/slide8.xml><?xml version="1.0" encoding="utf-8"?>
 <p:sld xmlns:a="http://schemas.openxmlformats.org/drawingml/2006/main" xmlns:r="http://schemas.openxmlformats.org/officeDocument/2006/relationships" xmlns:p="http://schemas.openxmlformats.org/presentationml/2006/main">
   <p:cSld>
     <p:spTree>
@@ -5249,13 +6173,13 @@
   <p:clrMapOvr>
     <a:masterClrMapping/>
   </p:clrMapOvr>
-  <mc:AlternateContent xmlns:mc="http://schemas.openxmlformats.org/markup-compatibility/2006">
-    <mc:Choice xmlns:p14="http://schemas.microsoft.com/office/powerpoint/2010/main" Requires="p14">
+  <mc:AlternateContent xmlns:mc="http://schemas.openxmlformats.org/markup-compatibility/2006" xmlns:p14="http://schemas.microsoft.com/office/powerpoint/2010/main">
+    <mc:Choice Requires="p14">
       <p:transition spd="slow" p14:dur="1600">
         <p14:prism isInverted="1"/>
       </p:transition>
     </mc:Choice>
-    <mc:Fallback>
+    <mc:Fallback xmlns="">
       <p:transition xmlns:p14="http://schemas.microsoft.com/office/powerpoint/2010/main" spd="slow">
         <p:fade/>
       </p:transition>
@@ -5264,7 +6188,7 @@
   <p:timing>
     <p:tnLst>
       <p:par>
-        <p:cTn xmlns:p14="http://schemas.microsoft.com/office/powerpoint/2010/main" id="1" dur="indefinite" restart="never" nodeType="tmRoot"/>
+        <p:cTn id="1" dur="indefinite" restart="never" nodeType="tmRoot"/>
       </p:par>
     </p:tnLst>
   </p:timing>

--- a/Presentasi PDL.pptx
+++ b/Presentasi PDL.pptx
@@ -8,11 +8,10 @@
     <p:sldId id="256" r:id="rId2"/>
     <p:sldId id="257" r:id="rId3"/>
     <p:sldId id="258" r:id="rId4"/>
-    <p:sldId id="263" r:id="rId5"/>
-    <p:sldId id="259" r:id="rId6"/>
+    <p:sldId id="259" r:id="rId5"/>
+    <p:sldId id="263" r:id="rId6"/>
     <p:sldId id="260" r:id="rId7"/>
     <p:sldId id="261" r:id="rId8"/>
-    <p:sldId id="262" r:id="rId9"/>
   </p:sldIdLst>
   <p:sldSz cx="9144000" cy="6858000" type="screen4x3"/>
   <p:notesSz cx="6858000" cy="9144000"/>
@@ -113,7 +112,7 @@
   </p:defaultTextStyle>
   <p:extLst>
     <p:ext uri="{EFAFB233-063F-42B5-8137-9DF3F51BA10A}">
-      <p15:sldGuideLst xmlns:p15="http://schemas.microsoft.com/office/powerpoint/2012/main">
+      <p15:sldGuideLst xmlns:p15="http://schemas.microsoft.com/office/powerpoint/2012/main" xmlns="">
         <p15:guide id="1" orient="horz" pos="2160">
           <p15:clr>
             <a:srgbClr val="A4A3A4"/>
@@ -421,7 +420,7 @@
           <a:p>
             <a:fld id="{CFBF0AAD-1840-B64C-B4BD-3771158A793C}" type="datetimeFigureOut">
               <a:rPr lang="en-US" smtClean="0"/>
-              <a:t>4/3/2014</a:t>
+              <a:t>4/3/14</a:t>
             </a:fld>
             <a:endParaRPr lang="en-US"/>
           </a:p>
@@ -612,7 +611,7 @@
           <a:p>
             <a:fld id="{CFBF0AAD-1840-B64C-B4BD-3771158A793C}" type="datetimeFigureOut">
               <a:rPr lang="en-US" smtClean="0"/>
-              <a:t>4/3/2014</a:t>
+              <a:t>4/3/14</a:t>
             </a:fld>
             <a:endParaRPr lang="en-US"/>
           </a:p>
@@ -797,7 +796,7 @@
           <a:p>
             <a:fld id="{CFBF0AAD-1840-B64C-B4BD-3771158A793C}" type="datetimeFigureOut">
               <a:rPr lang="en-US" smtClean="0"/>
-              <a:t>4/3/2014</a:t>
+              <a:t>4/3/14</a:t>
             </a:fld>
             <a:endParaRPr lang="en-US"/>
           </a:p>
@@ -1060,7 +1059,7 @@
           <a:p>
             <a:fld id="{CFBF0AAD-1840-B64C-B4BD-3771158A793C}" type="datetimeFigureOut">
               <a:rPr lang="en-US" smtClean="0"/>
-              <a:t>4/3/2014</a:t>
+              <a:t>4/3/14</a:t>
             </a:fld>
             <a:endParaRPr lang="en-US"/>
           </a:p>
@@ -1476,7 +1475,7 @@
           <a:p>
             <a:fld id="{CFBF0AAD-1840-B64C-B4BD-3771158A793C}" type="datetimeFigureOut">
               <a:rPr lang="en-US" smtClean="0"/>
-              <a:t>4/3/2014</a:t>
+              <a:t>4/3/14</a:t>
             </a:fld>
             <a:endParaRPr lang="en-US"/>
           </a:p>
@@ -1718,7 +1717,7 @@
           <a:p>
             <a:fld id="{CFBF0AAD-1840-B64C-B4BD-3771158A793C}" type="datetimeFigureOut">
               <a:rPr lang="en-US" smtClean="0"/>
-              <a:t>4/3/2014</a:t>
+              <a:t>4/3/14</a:t>
             </a:fld>
             <a:endParaRPr lang="en-US"/>
           </a:p>
@@ -1954,7 +1953,7 @@
           <a:p>
             <a:fld id="{CFBF0AAD-1840-B64C-B4BD-3771158A793C}" type="datetimeFigureOut">
               <a:rPr lang="en-US" smtClean="0"/>
-              <a:t>4/3/2014</a:t>
+              <a:t>4/3/14</a:t>
             </a:fld>
             <a:endParaRPr lang="en-US"/>
           </a:p>
@@ -2149,7 +2148,7 @@
           <a:p>
             <a:fld id="{CFBF0AAD-1840-B64C-B4BD-3771158A793C}" type="datetimeFigureOut">
               <a:rPr lang="en-US" smtClean="0"/>
-              <a:t>4/3/2014</a:t>
+              <a:t>4/3/14</a:t>
             </a:fld>
             <a:endParaRPr lang="en-US"/>
           </a:p>
@@ -2247,7 +2246,7 @@
           <a:p>
             <a:fld id="{CFBF0AAD-1840-B64C-B4BD-3771158A793C}" type="datetimeFigureOut">
               <a:rPr lang="en-US" smtClean="0"/>
-              <a:t>4/3/2014</a:t>
+              <a:t>4/3/14</a:t>
             </a:fld>
             <a:endParaRPr lang="en-US"/>
           </a:p>
@@ -2383,7 +2382,7 @@
           <a:p>
             <a:fld id="{CFBF0AAD-1840-B64C-B4BD-3771158A793C}" type="datetimeFigureOut">
               <a:rPr lang="en-US" smtClean="0"/>
-              <a:t>4/3/2014</a:t>
+              <a:t>4/3/14</a:t>
             </a:fld>
             <a:endParaRPr lang="en-US"/>
           </a:p>
@@ -2901,7 +2900,7 @@
           <a:p>
             <a:fld id="{CFBF0AAD-1840-B64C-B4BD-3771158A793C}" type="datetimeFigureOut">
               <a:rPr lang="en-US" smtClean="0"/>
-              <a:t>4/3/2014</a:t>
+              <a:t>4/3/14</a:t>
             </a:fld>
             <a:endParaRPr lang="en-US"/>
           </a:p>
@@ -3162,7 +3161,7 @@
           <a:p>
             <a:fld id="{CFBF0AAD-1840-B64C-B4BD-3771158A793C}" type="datetimeFigureOut">
               <a:rPr lang="en-US" smtClean="0"/>
-              <a:t>4/3/2014</a:t>
+              <a:t>4/3/14</a:t>
             </a:fld>
             <a:endParaRPr lang="en-US"/>
           </a:p>
@@ -3924,7 +3923,7 @@
   <p:timing>
     <p:tnLst>
       <p:par>
-        <p:cTn id="1" dur="indefinite" restart="never" nodeType="tmRoot"/>
+        <p:cTn xmlns:p14="http://schemas.microsoft.com/office/powerpoint/2010/main" id="1" dur="indefinite" restart="never" nodeType="tmRoot"/>
       </p:par>
     </p:tnLst>
   </p:timing>
@@ -4250,7 +4249,7 @@
   <p:timing>
     <p:tnLst>
       <p:par>
-        <p:cTn id="1" dur="indefinite" restart="never" nodeType="tmRoot"/>
+        <p:cTn xmlns:p14="http://schemas.microsoft.com/office/powerpoint/2010/main" id="1" dur="indefinite" restart="never" nodeType="tmRoot"/>
       </p:par>
     </p:tnLst>
   </p:timing>
@@ -4424,7 +4423,7 @@
   <p:timing>
     <p:tnLst>
       <p:par>
-        <p:cTn id="1" dur="indefinite" restart="never" nodeType="tmRoot"/>
+        <p:cTn xmlns:p14="http://schemas.microsoft.com/office/powerpoint/2010/main" id="1" dur="indefinite" restart="never" nodeType="tmRoot"/>
       </p:par>
     </p:tnLst>
   </p:timing>
@@ -4432,879 +4431,6 @@
 </file>
 
 <file path=ppt/slides/slide4.xml><?xml version="1.0" encoding="utf-8"?>
-<p:sld xmlns:a="http://schemas.openxmlformats.org/drawingml/2006/main" xmlns:r="http://schemas.openxmlformats.org/officeDocument/2006/relationships" xmlns:p="http://schemas.openxmlformats.org/presentationml/2006/main">
-  <p:cSld>
-    <p:spTree>
-      <p:nvGrpSpPr>
-        <p:cNvPr id="1" name=""/>
-        <p:cNvGrpSpPr/>
-        <p:nvPr/>
-      </p:nvGrpSpPr>
-      <p:grpSpPr>
-        <a:xfrm>
-          <a:off x="0" y="0"/>
-          <a:ext cx="0" cy="0"/>
-          <a:chOff x="0" y="0"/>
-          <a:chExt cx="0" cy="0"/>
-        </a:xfrm>
-      </p:grpSpPr>
-      <p:sp>
-        <p:nvSpPr>
-          <p:cNvPr id="2" name="Title 1"/>
-          <p:cNvSpPr>
-            <a:spLocks noGrp="1"/>
-          </p:cNvSpPr>
-          <p:nvPr>
-            <p:ph type="title"/>
-          </p:nvPr>
-        </p:nvSpPr>
-        <p:spPr/>
-        <p:txBody>
-          <a:bodyPr>
-            <a:normAutofit fontScale="90000"/>
-          </a:bodyPr>
-          <a:lstStyle/>
-          <a:p>
-            <a:r>
-              <a:rPr lang="id-ID" dirty="0" err="1" smtClean="0"/>
-              <a:t>Query-query</a:t>
-            </a:r>
-            <a:r>
-              <a:rPr lang="id-ID" dirty="0" smtClean="0"/>
-              <a:t> </a:t>
-            </a:r>
-            <a:r>
-              <a:rPr lang="id-ID" dirty="0" err="1" smtClean="0"/>
-              <a:t>PostGIS</a:t>
-            </a:r>
-            <a:r>
-              <a:rPr lang="id-ID" dirty="0" smtClean="0"/>
-              <a:t> yang digunakan</a:t>
-            </a:r>
-            <a:endParaRPr lang="id-ID" dirty="0"/>
-          </a:p>
-        </p:txBody>
-      </p:sp>
-      <p:sp>
-        <p:nvSpPr>
-          <p:cNvPr id="3" name="Content Placeholder 2"/>
-          <p:cNvSpPr>
-            <a:spLocks noGrp="1"/>
-          </p:cNvSpPr>
-          <p:nvPr>
-            <p:ph sz="quarter" idx="1"/>
-          </p:nvPr>
-        </p:nvSpPr>
-        <p:spPr>
-          <a:xfrm>
-            <a:off x="457200" y="1600200"/>
-            <a:ext cx="8577470" cy="4495800"/>
-          </a:xfrm>
-        </p:spPr>
-        <p:txBody>
-          <a:bodyPr>
-            <a:noAutofit/>
-          </a:bodyPr>
-          <a:lstStyle/>
-          <a:p>
-            <a:r>
-              <a:rPr lang="id-ID" sz="1600" dirty="0" err="1" smtClean="0">
-                <a:latin typeface="Courier New" panose="02070309020205020404" pitchFamily="49" charset="0"/>
-                <a:cs typeface="Courier New" panose="02070309020205020404" pitchFamily="49" charset="0"/>
-              </a:rPr>
-              <a:t>geometry</a:t>
-            </a:r>
-            <a:r>
-              <a:rPr lang="id-ID" sz="1600" dirty="0" smtClean="0">
-                <a:latin typeface="Courier New" panose="02070309020205020404" pitchFamily="49" charset="0"/>
-                <a:cs typeface="Courier New" panose="02070309020205020404" pitchFamily="49" charset="0"/>
-              </a:rPr>
-              <a:t> </a:t>
-            </a:r>
-            <a:r>
-              <a:rPr lang="id-ID" sz="1600" b="1" dirty="0" err="1" smtClean="0">
-                <a:latin typeface="Courier New" panose="02070309020205020404" pitchFamily="49" charset="0"/>
-                <a:cs typeface="Courier New" panose="02070309020205020404" pitchFamily="49" charset="0"/>
-              </a:rPr>
-              <a:t>ST_GeomFromText</a:t>
-            </a:r>
-            <a:r>
-              <a:rPr lang="id-ID" sz="1600" dirty="0" smtClean="0">
-                <a:latin typeface="Courier New" panose="02070309020205020404" pitchFamily="49" charset="0"/>
-                <a:cs typeface="Courier New" panose="02070309020205020404" pitchFamily="49" charset="0"/>
-              </a:rPr>
-              <a:t>(</a:t>
-            </a:r>
-            <a:r>
-              <a:rPr lang="id-ID" sz="1600" dirty="0" err="1" smtClean="0">
-                <a:latin typeface="Courier New" panose="02070309020205020404" pitchFamily="49" charset="0"/>
-                <a:cs typeface="Courier New" panose="02070309020205020404" pitchFamily="49" charset="0"/>
-              </a:rPr>
-              <a:t>text</a:t>
-            </a:r>
-            <a:r>
-              <a:rPr lang="id-ID" sz="1600" dirty="0" smtClean="0">
-                <a:latin typeface="Courier New" panose="02070309020205020404" pitchFamily="49" charset="0"/>
-                <a:cs typeface="Courier New" panose="02070309020205020404" pitchFamily="49" charset="0"/>
-              </a:rPr>
-              <a:t> WKT)</a:t>
-            </a:r>
-          </a:p>
-          <a:p>
-            <a:r>
-              <a:rPr lang="id-ID" sz="1600" dirty="0" err="1" smtClean="0">
-                <a:latin typeface="Courier New" panose="02070309020205020404" pitchFamily="49" charset="0"/>
-                <a:cs typeface="Courier New" panose="02070309020205020404" pitchFamily="49" charset="0"/>
-              </a:rPr>
-              <a:t>text</a:t>
-            </a:r>
-            <a:r>
-              <a:rPr lang="id-ID" sz="1600" dirty="0" smtClean="0">
-                <a:latin typeface="Courier New" panose="02070309020205020404" pitchFamily="49" charset="0"/>
-                <a:cs typeface="Courier New" panose="02070309020205020404" pitchFamily="49" charset="0"/>
-              </a:rPr>
-              <a:t> </a:t>
-            </a:r>
-            <a:r>
-              <a:rPr lang="id-ID" sz="1600" b="1" dirty="0" err="1" smtClean="0">
-                <a:latin typeface="Courier New" panose="02070309020205020404" pitchFamily="49" charset="0"/>
-                <a:cs typeface="Courier New" panose="02070309020205020404" pitchFamily="49" charset="0"/>
-              </a:rPr>
-              <a:t>ST_AsGeoJSON</a:t>
-            </a:r>
-            <a:r>
-              <a:rPr lang="id-ID" sz="1600" dirty="0" smtClean="0">
-                <a:latin typeface="Courier New" panose="02070309020205020404" pitchFamily="49" charset="0"/>
-                <a:cs typeface="Courier New" panose="02070309020205020404" pitchFamily="49" charset="0"/>
-              </a:rPr>
-              <a:t>(</a:t>
-            </a:r>
-            <a:r>
-              <a:rPr lang="id-ID" sz="1600" dirty="0" err="1" smtClean="0">
-                <a:latin typeface="Courier New" panose="02070309020205020404" pitchFamily="49" charset="0"/>
-                <a:cs typeface="Courier New" panose="02070309020205020404" pitchFamily="49" charset="0"/>
-              </a:rPr>
-              <a:t>geometry</a:t>
-            </a:r>
-            <a:r>
-              <a:rPr lang="id-ID" sz="1600" dirty="0" smtClean="0">
-                <a:latin typeface="Courier New" panose="02070309020205020404" pitchFamily="49" charset="0"/>
-                <a:cs typeface="Courier New" panose="02070309020205020404" pitchFamily="49" charset="0"/>
-              </a:rPr>
-              <a:t> A)</a:t>
-            </a:r>
-          </a:p>
-          <a:p>
-            <a:r>
-              <a:rPr lang="id-ID" sz="1600" dirty="0" err="1" smtClean="0">
-                <a:latin typeface="Courier New" panose="02070309020205020404" pitchFamily="49" charset="0"/>
-                <a:cs typeface="Courier New" panose="02070309020205020404" pitchFamily="49" charset="0"/>
-              </a:rPr>
-              <a:t>boolean</a:t>
-            </a:r>
-            <a:r>
-              <a:rPr lang="id-ID" sz="1600" dirty="0" smtClean="0">
-                <a:latin typeface="Courier New" panose="02070309020205020404" pitchFamily="49" charset="0"/>
-                <a:cs typeface="Courier New" panose="02070309020205020404" pitchFamily="49" charset="0"/>
-              </a:rPr>
-              <a:t> </a:t>
-            </a:r>
-            <a:r>
-              <a:rPr lang="id-ID" sz="1600" b="1" dirty="0" err="1" smtClean="0">
-                <a:latin typeface="Courier New" panose="02070309020205020404" pitchFamily="49" charset="0"/>
-                <a:cs typeface="Courier New" panose="02070309020205020404" pitchFamily="49" charset="0"/>
-              </a:rPr>
-              <a:t>ST_Intersects</a:t>
-            </a:r>
-            <a:r>
-              <a:rPr lang="id-ID" sz="1600" dirty="0" smtClean="0">
-                <a:latin typeface="Courier New" panose="02070309020205020404" pitchFamily="49" charset="0"/>
-                <a:cs typeface="Courier New" panose="02070309020205020404" pitchFamily="49" charset="0"/>
-              </a:rPr>
-              <a:t>(</a:t>
-            </a:r>
-            <a:r>
-              <a:rPr lang="id-ID" sz="1600" dirty="0" err="1" smtClean="0">
-                <a:latin typeface="Courier New" panose="02070309020205020404" pitchFamily="49" charset="0"/>
-                <a:cs typeface="Courier New" panose="02070309020205020404" pitchFamily="49" charset="0"/>
-              </a:rPr>
-              <a:t>geometry</a:t>
-            </a:r>
-            <a:r>
-              <a:rPr lang="id-ID" sz="1600" dirty="0" smtClean="0">
-                <a:latin typeface="Courier New" panose="02070309020205020404" pitchFamily="49" charset="0"/>
-                <a:cs typeface="Courier New" panose="02070309020205020404" pitchFamily="49" charset="0"/>
-              </a:rPr>
-              <a:t> A, </a:t>
-            </a:r>
-            <a:r>
-              <a:rPr lang="id-ID" sz="1600" dirty="0" err="1" smtClean="0">
-                <a:latin typeface="Courier New" panose="02070309020205020404" pitchFamily="49" charset="0"/>
-                <a:cs typeface="Courier New" panose="02070309020205020404" pitchFamily="49" charset="0"/>
-              </a:rPr>
-              <a:t>geometry</a:t>
-            </a:r>
-            <a:r>
-              <a:rPr lang="id-ID" sz="1600" dirty="0" smtClean="0">
-                <a:latin typeface="Courier New" panose="02070309020205020404" pitchFamily="49" charset="0"/>
-                <a:cs typeface="Courier New" panose="02070309020205020404" pitchFamily="49" charset="0"/>
-              </a:rPr>
-              <a:t> B)</a:t>
-            </a:r>
-            <a:endParaRPr lang="id-ID" sz="1600" dirty="0">
-              <a:latin typeface="Courier New" panose="02070309020205020404" pitchFamily="49" charset="0"/>
-              <a:cs typeface="Courier New" panose="02070309020205020404" pitchFamily="49" charset="0"/>
-            </a:endParaRPr>
-          </a:p>
-          <a:p>
-            <a:r>
-              <a:rPr lang="id-ID" sz="1600" dirty="0" err="1">
-                <a:latin typeface="Courier New" panose="02070309020205020404" pitchFamily="49" charset="0"/>
-                <a:cs typeface="Courier New" panose="02070309020205020404" pitchFamily="49" charset="0"/>
-              </a:rPr>
-              <a:t>boolean</a:t>
-            </a:r>
-            <a:r>
-              <a:rPr lang="id-ID" sz="1600" dirty="0">
-                <a:latin typeface="Courier New" panose="02070309020205020404" pitchFamily="49" charset="0"/>
-                <a:cs typeface="Courier New" panose="02070309020205020404" pitchFamily="49" charset="0"/>
-              </a:rPr>
-              <a:t> </a:t>
-            </a:r>
-            <a:r>
-              <a:rPr lang="id-ID" sz="1600" b="1" dirty="0" err="1" smtClean="0">
-                <a:latin typeface="Courier New" panose="02070309020205020404" pitchFamily="49" charset="0"/>
-                <a:cs typeface="Courier New" panose="02070309020205020404" pitchFamily="49" charset="0"/>
-              </a:rPr>
-              <a:t>ST_Overlaps</a:t>
-            </a:r>
-            <a:r>
-              <a:rPr lang="id-ID" sz="1600" dirty="0" smtClean="0">
-                <a:latin typeface="Courier New" panose="02070309020205020404" pitchFamily="49" charset="0"/>
-                <a:cs typeface="Courier New" panose="02070309020205020404" pitchFamily="49" charset="0"/>
-              </a:rPr>
-              <a:t>(</a:t>
-            </a:r>
-            <a:r>
-              <a:rPr lang="id-ID" sz="1600" dirty="0" err="1" smtClean="0">
-                <a:latin typeface="Courier New" panose="02070309020205020404" pitchFamily="49" charset="0"/>
-                <a:cs typeface="Courier New" panose="02070309020205020404" pitchFamily="49" charset="0"/>
-              </a:rPr>
-              <a:t>geometry</a:t>
-            </a:r>
-            <a:r>
-              <a:rPr lang="id-ID" sz="1600" dirty="0" smtClean="0">
-                <a:latin typeface="Courier New" panose="02070309020205020404" pitchFamily="49" charset="0"/>
-                <a:cs typeface="Courier New" panose="02070309020205020404" pitchFamily="49" charset="0"/>
-              </a:rPr>
-              <a:t> </a:t>
-            </a:r>
-            <a:r>
-              <a:rPr lang="id-ID" sz="1600" dirty="0">
-                <a:latin typeface="Courier New" panose="02070309020205020404" pitchFamily="49" charset="0"/>
-                <a:cs typeface="Courier New" panose="02070309020205020404" pitchFamily="49" charset="0"/>
-              </a:rPr>
-              <a:t>A, </a:t>
-            </a:r>
-            <a:r>
-              <a:rPr lang="id-ID" sz="1600" dirty="0" err="1">
-                <a:latin typeface="Courier New" panose="02070309020205020404" pitchFamily="49" charset="0"/>
-                <a:cs typeface="Courier New" panose="02070309020205020404" pitchFamily="49" charset="0"/>
-              </a:rPr>
-              <a:t>geometry</a:t>
-            </a:r>
-            <a:r>
-              <a:rPr lang="id-ID" sz="1600" dirty="0">
-                <a:latin typeface="Courier New" panose="02070309020205020404" pitchFamily="49" charset="0"/>
-                <a:cs typeface="Courier New" panose="02070309020205020404" pitchFamily="49" charset="0"/>
-              </a:rPr>
-              <a:t> B)</a:t>
-            </a:r>
-          </a:p>
-          <a:p>
-            <a:r>
-              <a:rPr lang="id-ID" sz="1600" dirty="0" err="1">
-                <a:latin typeface="Courier New" panose="02070309020205020404" pitchFamily="49" charset="0"/>
-                <a:cs typeface="Courier New" panose="02070309020205020404" pitchFamily="49" charset="0"/>
-              </a:rPr>
-              <a:t>boolean</a:t>
-            </a:r>
-            <a:r>
-              <a:rPr lang="id-ID" sz="1600" dirty="0">
-                <a:latin typeface="Courier New" panose="02070309020205020404" pitchFamily="49" charset="0"/>
-                <a:cs typeface="Courier New" panose="02070309020205020404" pitchFamily="49" charset="0"/>
-              </a:rPr>
-              <a:t> </a:t>
-            </a:r>
-            <a:r>
-              <a:rPr lang="id-ID" sz="1600" b="1" dirty="0" err="1">
-                <a:latin typeface="Courier New" panose="02070309020205020404" pitchFamily="49" charset="0"/>
-                <a:cs typeface="Courier New" panose="02070309020205020404" pitchFamily="49" charset="0"/>
-              </a:rPr>
-              <a:t>ST_Equals</a:t>
-            </a:r>
-            <a:r>
-              <a:rPr lang="id-ID" sz="1600" dirty="0">
-                <a:latin typeface="Courier New" panose="02070309020205020404" pitchFamily="49" charset="0"/>
-                <a:cs typeface="Courier New" panose="02070309020205020404" pitchFamily="49" charset="0"/>
-              </a:rPr>
-              <a:t>(</a:t>
-            </a:r>
-            <a:r>
-              <a:rPr lang="id-ID" sz="1600" dirty="0" err="1">
-                <a:latin typeface="Courier New" panose="02070309020205020404" pitchFamily="49" charset="0"/>
-                <a:cs typeface="Courier New" panose="02070309020205020404" pitchFamily="49" charset="0"/>
-              </a:rPr>
-              <a:t>geometry</a:t>
-            </a:r>
-            <a:r>
-              <a:rPr lang="id-ID" sz="1600" dirty="0">
-                <a:latin typeface="Courier New" panose="02070309020205020404" pitchFamily="49" charset="0"/>
-                <a:cs typeface="Courier New" panose="02070309020205020404" pitchFamily="49" charset="0"/>
-              </a:rPr>
-              <a:t> A, </a:t>
-            </a:r>
-            <a:r>
-              <a:rPr lang="id-ID" sz="1600" dirty="0" err="1">
-                <a:latin typeface="Courier New" panose="02070309020205020404" pitchFamily="49" charset="0"/>
-                <a:cs typeface="Courier New" panose="02070309020205020404" pitchFamily="49" charset="0"/>
-              </a:rPr>
-              <a:t>geometry</a:t>
-            </a:r>
-            <a:r>
-              <a:rPr lang="id-ID" sz="1600" dirty="0">
-                <a:latin typeface="Courier New" panose="02070309020205020404" pitchFamily="49" charset="0"/>
-                <a:cs typeface="Courier New" panose="02070309020205020404" pitchFamily="49" charset="0"/>
-              </a:rPr>
-              <a:t> B</a:t>
-            </a:r>
-            <a:r>
-              <a:rPr lang="id-ID" sz="1600" dirty="0" smtClean="0">
-                <a:latin typeface="Courier New" panose="02070309020205020404" pitchFamily="49" charset="0"/>
-                <a:cs typeface="Courier New" panose="02070309020205020404" pitchFamily="49" charset="0"/>
-              </a:rPr>
-              <a:t>)</a:t>
-            </a:r>
-          </a:p>
-          <a:p>
-            <a:r>
-              <a:rPr lang="id-ID" sz="1600" dirty="0" err="1" smtClean="0">
-                <a:latin typeface="Courier New" panose="02070309020205020404" pitchFamily="49" charset="0"/>
-                <a:cs typeface="Courier New" panose="02070309020205020404" pitchFamily="49" charset="0"/>
-              </a:rPr>
-              <a:t>geometry</a:t>
-            </a:r>
-            <a:r>
-              <a:rPr lang="id-ID" sz="1600" dirty="0" smtClean="0">
-                <a:latin typeface="Courier New" panose="02070309020205020404" pitchFamily="49" charset="0"/>
-                <a:cs typeface="Courier New" panose="02070309020205020404" pitchFamily="49" charset="0"/>
-              </a:rPr>
-              <a:t> </a:t>
-            </a:r>
-            <a:r>
-              <a:rPr lang="id-ID" sz="1600" b="1" dirty="0" err="1" smtClean="0">
-                <a:latin typeface="Courier New" panose="02070309020205020404" pitchFamily="49" charset="0"/>
-                <a:cs typeface="Courier New" panose="02070309020205020404" pitchFamily="49" charset="0"/>
-              </a:rPr>
-              <a:t>ST_Buffer</a:t>
-            </a:r>
-            <a:r>
-              <a:rPr lang="id-ID" sz="1600" dirty="0" smtClean="0">
-                <a:latin typeface="Courier New" panose="02070309020205020404" pitchFamily="49" charset="0"/>
-                <a:cs typeface="Courier New" panose="02070309020205020404" pitchFamily="49" charset="0"/>
-              </a:rPr>
-              <a:t>(</a:t>
-            </a:r>
-            <a:r>
-              <a:rPr lang="id-ID" sz="1600" dirty="0" err="1" smtClean="0">
-                <a:latin typeface="Courier New" panose="02070309020205020404" pitchFamily="49" charset="0"/>
-                <a:cs typeface="Courier New" panose="02070309020205020404" pitchFamily="49" charset="0"/>
-              </a:rPr>
-              <a:t>geometry</a:t>
-            </a:r>
-            <a:r>
-              <a:rPr lang="id-ID" sz="1600" dirty="0" smtClean="0">
-                <a:latin typeface="Courier New" panose="02070309020205020404" pitchFamily="49" charset="0"/>
-                <a:cs typeface="Courier New" panose="02070309020205020404" pitchFamily="49" charset="0"/>
-              </a:rPr>
-              <a:t> A, </a:t>
-            </a:r>
-            <a:r>
-              <a:rPr lang="id-ID" sz="1600" dirty="0" err="1" smtClean="0">
-                <a:latin typeface="Courier New" panose="02070309020205020404" pitchFamily="49" charset="0"/>
-                <a:cs typeface="Courier New" panose="02070309020205020404" pitchFamily="49" charset="0"/>
-              </a:rPr>
-              <a:t>float</a:t>
-            </a:r>
-            <a:r>
-              <a:rPr lang="id-ID" sz="1600" dirty="0" smtClean="0">
-                <a:latin typeface="Courier New" panose="02070309020205020404" pitchFamily="49" charset="0"/>
-                <a:cs typeface="Courier New" panose="02070309020205020404" pitchFamily="49" charset="0"/>
-              </a:rPr>
-              <a:t> radius)</a:t>
-            </a:r>
-          </a:p>
-          <a:p>
-            <a:r>
-              <a:rPr lang="id-ID" sz="1600" dirty="0" err="1" smtClean="0">
-                <a:latin typeface="Courier New" panose="02070309020205020404" pitchFamily="49" charset="0"/>
-                <a:cs typeface="Courier New" panose="02070309020205020404" pitchFamily="49" charset="0"/>
-              </a:rPr>
-              <a:t>geometry</a:t>
-            </a:r>
-            <a:r>
-              <a:rPr lang="id-ID" sz="1600" dirty="0" smtClean="0">
-                <a:latin typeface="Courier New" panose="02070309020205020404" pitchFamily="49" charset="0"/>
-                <a:cs typeface="Courier New" panose="02070309020205020404" pitchFamily="49" charset="0"/>
-              </a:rPr>
-              <a:t> </a:t>
-            </a:r>
-            <a:r>
-              <a:rPr lang="id-ID" sz="1600" b="1" dirty="0" err="1" smtClean="0">
-                <a:latin typeface="Courier New" panose="02070309020205020404" pitchFamily="49" charset="0"/>
-                <a:cs typeface="Courier New" panose="02070309020205020404" pitchFamily="49" charset="0"/>
-              </a:rPr>
-              <a:t>ST_LineSubstring</a:t>
-            </a:r>
-            <a:r>
-              <a:rPr lang="id-ID" sz="1600" dirty="0" smtClean="0">
-                <a:latin typeface="Courier New" panose="02070309020205020404" pitchFamily="49" charset="0"/>
-                <a:cs typeface="Courier New" panose="02070309020205020404" pitchFamily="49" charset="0"/>
-              </a:rPr>
-              <a:t>(</a:t>
-            </a:r>
-            <a:r>
-              <a:rPr lang="id-ID" sz="1600" dirty="0" err="1" smtClean="0">
-                <a:latin typeface="Courier New" panose="02070309020205020404" pitchFamily="49" charset="0"/>
-                <a:cs typeface="Courier New" panose="02070309020205020404" pitchFamily="49" charset="0"/>
-              </a:rPr>
-              <a:t>geometry</a:t>
-            </a:r>
-            <a:r>
-              <a:rPr lang="id-ID" sz="1600" dirty="0" smtClean="0">
-                <a:latin typeface="Courier New" panose="02070309020205020404" pitchFamily="49" charset="0"/>
-                <a:cs typeface="Courier New" panose="02070309020205020404" pitchFamily="49" charset="0"/>
-              </a:rPr>
-              <a:t> A, </a:t>
-            </a:r>
-            <a:r>
-              <a:rPr lang="id-ID" sz="1600" dirty="0" err="1" smtClean="0">
-                <a:latin typeface="Courier New" panose="02070309020205020404" pitchFamily="49" charset="0"/>
-                <a:cs typeface="Courier New" panose="02070309020205020404" pitchFamily="49" charset="0"/>
-              </a:rPr>
-              <a:t>float</a:t>
-            </a:r>
-            <a:r>
-              <a:rPr lang="id-ID" sz="1600" dirty="0" smtClean="0">
-                <a:latin typeface="Courier New" panose="02070309020205020404" pitchFamily="49" charset="0"/>
-                <a:cs typeface="Courier New" panose="02070309020205020404" pitchFamily="49" charset="0"/>
-              </a:rPr>
-              <a:t> start, </a:t>
-            </a:r>
-            <a:r>
-              <a:rPr lang="id-ID" sz="1600" dirty="0" err="1" smtClean="0">
-                <a:latin typeface="Courier New" panose="02070309020205020404" pitchFamily="49" charset="0"/>
-                <a:cs typeface="Courier New" panose="02070309020205020404" pitchFamily="49" charset="0"/>
-              </a:rPr>
-              <a:t>float</a:t>
-            </a:r>
-            <a:r>
-              <a:rPr lang="id-ID" sz="1600" dirty="0" smtClean="0">
-                <a:latin typeface="Courier New" panose="02070309020205020404" pitchFamily="49" charset="0"/>
-                <a:cs typeface="Courier New" panose="02070309020205020404" pitchFamily="49" charset="0"/>
-              </a:rPr>
-              <a:t> </a:t>
-            </a:r>
-            <a:r>
-              <a:rPr lang="id-ID" sz="1600" dirty="0" err="1" smtClean="0">
-                <a:latin typeface="Courier New" panose="02070309020205020404" pitchFamily="49" charset="0"/>
-                <a:cs typeface="Courier New" panose="02070309020205020404" pitchFamily="49" charset="0"/>
-              </a:rPr>
-              <a:t>end</a:t>
-            </a:r>
-            <a:r>
-              <a:rPr lang="id-ID" sz="1600" dirty="0" smtClean="0">
-                <a:latin typeface="Courier New" panose="02070309020205020404" pitchFamily="49" charset="0"/>
-                <a:cs typeface="Courier New" panose="02070309020205020404" pitchFamily="49" charset="0"/>
-              </a:rPr>
-              <a:t>)</a:t>
-            </a:r>
-          </a:p>
-          <a:p>
-            <a:r>
-              <a:rPr lang="id-ID" sz="1600" dirty="0" err="1" smtClean="0">
-                <a:latin typeface="Courier New" panose="02070309020205020404" pitchFamily="49" charset="0"/>
-                <a:cs typeface="Courier New" panose="02070309020205020404" pitchFamily="49" charset="0"/>
-              </a:rPr>
-              <a:t>geometry</a:t>
-            </a:r>
-            <a:r>
-              <a:rPr lang="id-ID" sz="1600" dirty="0" smtClean="0">
-                <a:latin typeface="Courier New" panose="02070309020205020404" pitchFamily="49" charset="0"/>
-                <a:cs typeface="Courier New" panose="02070309020205020404" pitchFamily="49" charset="0"/>
-              </a:rPr>
-              <a:t> </a:t>
-            </a:r>
-            <a:r>
-              <a:rPr lang="id-ID" sz="1600" b="1" dirty="0" err="1" smtClean="0">
-                <a:latin typeface="Courier New" panose="02070309020205020404" pitchFamily="49" charset="0"/>
-                <a:cs typeface="Courier New" panose="02070309020205020404" pitchFamily="49" charset="0"/>
-              </a:rPr>
-              <a:t>ST_Intersection</a:t>
-            </a:r>
-            <a:r>
-              <a:rPr lang="id-ID" sz="1600" dirty="0" smtClean="0">
-                <a:latin typeface="Courier New" panose="02070309020205020404" pitchFamily="49" charset="0"/>
-                <a:cs typeface="Courier New" panose="02070309020205020404" pitchFamily="49" charset="0"/>
-              </a:rPr>
-              <a:t>(</a:t>
-            </a:r>
-            <a:r>
-              <a:rPr lang="id-ID" sz="1600" dirty="0" err="1" smtClean="0">
-                <a:latin typeface="Courier New" panose="02070309020205020404" pitchFamily="49" charset="0"/>
-                <a:cs typeface="Courier New" panose="02070309020205020404" pitchFamily="49" charset="0"/>
-              </a:rPr>
-              <a:t>geometry</a:t>
-            </a:r>
-            <a:r>
-              <a:rPr lang="id-ID" sz="1600" dirty="0" smtClean="0">
-                <a:latin typeface="Courier New" panose="02070309020205020404" pitchFamily="49" charset="0"/>
-                <a:cs typeface="Courier New" panose="02070309020205020404" pitchFamily="49" charset="0"/>
-              </a:rPr>
-              <a:t> A, </a:t>
-            </a:r>
-            <a:r>
-              <a:rPr lang="id-ID" sz="1600" dirty="0" err="1" smtClean="0">
-                <a:latin typeface="Courier New" panose="02070309020205020404" pitchFamily="49" charset="0"/>
-                <a:cs typeface="Courier New" panose="02070309020205020404" pitchFamily="49" charset="0"/>
-              </a:rPr>
-              <a:t>geometry</a:t>
-            </a:r>
-            <a:r>
-              <a:rPr lang="id-ID" sz="1600" dirty="0" smtClean="0">
-                <a:latin typeface="Courier New" panose="02070309020205020404" pitchFamily="49" charset="0"/>
-                <a:cs typeface="Courier New" panose="02070309020205020404" pitchFamily="49" charset="0"/>
-              </a:rPr>
-              <a:t> B)</a:t>
-            </a:r>
-          </a:p>
-          <a:p>
-            <a:r>
-              <a:rPr lang="id-ID" sz="1600" dirty="0" err="1" smtClean="0">
-                <a:latin typeface="Courier New" panose="02070309020205020404" pitchFamily="49" charset="0"/>
-                <a:cs typeface="Courier New" panose="02070309020205020404" pitchFamily="49" charset="0"/>
-              </a:rPr>
-              <a:t>geometry</a:t>
-            </a:r>
-            <a:r>
-              <a:rPr lang="id-ID" sz="1600" dirty="0" smtClean="0">
-                <a:latin typeface="Courier New" panose="02070309020205020404" pitchFamily="49" charset="0"/>
-                <a:cs typeface="Courier New" panose="02070309020205020404" pitchFamily="49" charset="0"/>
-              </a:rPr>
-              <a:t> </a:t>
-            </a:r>
-            <a:r>
-              <a:rPr lang="id-ID" sz="1600" b="1" dirty="0" err="1" smtClean="0">
-                <a:latin typeface="Courier New" panose="02070309020205020404" pitchFamily="49" charset="0"/>
-                <a:cs typeface="Courier New" panose="02070309020205020404" pitchFamily="49" charset="0"/>
-              </a:rPr>
-              <a:t>ST_StartPoint</a:t>
-            </a:r>
-            <a:r>
-              <a:rPr lang="id-ID" sz="1600" dirty="0" smtClean="0">
-                <a:latin typeface="Courier New" panose="02070309020205020404" pitchFamily="49" charset="0"/>
-                <a:cs typeface="Courier New" panose="02070309020205020404" pitchFamily="49" charset="0"/>
-              </a:rPr>
-              <a:t>(</a:t>
-            </a:r>
-            <a:r>
-              <a:rPr lang="id-ID" sz="1600" dirty="0" err="1" smtClean="0">
-                <a:latin typeface="Courier New" panose="02070309020205020404" pitchFamily="49" charset="0"/>
-                <a:cs typeface="Courier New" panose="02070309020205020404" pitchFamily="49" charset="0"/>
-              </a:rPr>
-              <a:t>geometry</a:t>
-            </a:r>
-            <a:r>
-              <a:rPr lang="id-ID" sz="1600" dirty="0" smtClean="0">
-                <a:latin typeface="Courier New" panose="02070309020205020404" pitchFamily="49" charset="0"/>
-                <a:cs typeface="Courier New" panose="02070309020205020404" pitchFamily="49" charset="0"/>
-              </a:rPr>
-              <a:t> A)</a:t>
-            </a:r>
-          </a:p>
-          <a:p>
-            <a:r>
-              <a:rPr lang="id-ID" sz="1600" dirty="0" err="1" smtClean="0">
-                <a:latin typeface="Courier New" panose="02070309020205020404" pitchFamily="49" charset="0"/>
-                <a:cs typeface="Courier New" panose="02070309020205020404" pitchFamily="49" charset="0"/>
-              </a:rPr>
-              <a:t>float</a:t>
-            </a:r>
-            <a:r>
-              <a:rPr lang="id-ID" sz="1600" dirty="0" smtClean="0">
-                <a:latin typeface="Courier New" panose="02070309020205020404" pitchFamily="49" charset="0"/>
-                <a:cs typeface="Courier New" panose="02070309020205020404" pitchFamily="49" charset="0"/>
-              </a:rPr>
-              <a:t> </a:t>
-            </a:r>
-            <a:r>
-              <a:rPr lang="id-ID" sz="1600" b="1" dirty="0" err="1" smtClean="0">
-                <a:latin typeface="Courier New" panose="02070309020205020404" pitchFamily="49" charset="0"/>
-                <a:cs typeface="Courier New" panose="02070309020205020404" pitchFamily="49" charset="0"/>
-              </a:rPr>
-              <a:t>ST_LineLocatePoint</a:t>
-            </a:r>
-            <a:r>
-              <a:rPr lang="id-ID" sz="1600" dirty="0" smtClean="0">
-                <a:latin typeface="Courier New" panose="02070309020205020404" pitchFamily="49" charset="0"/>
-                <a:cs typeface="Courier New" panose="02070309020205020404" pitchFamily="49" charset="0"/>
-              </a:rPr>
-              <a:t>(</a:t>
-            </a:r>
-            <a:r>
-              <a:rPr lang="id-ID" sz="1600" dirty="0" err="1" smtClean="0">
-                <a:latin typeface="Courier New" panose="02070309020205020404" pitchFamily="49" charset="0"/>
-                <a:cs typeface="Courier New" panose="02070309020205020404" pitchFamily="49" charset="0"/>
-              </a:rPr>
-              <a:t>geometry</a:t>
-            </a:r>
-            <a:r>
-              <a:rPr lang="id-ID" sz="1600" dirty="0" smtClean="0">
-                <a:latin typeface="Courier New" panose="02070309020205020404" pitchFamily="49" charset="0"/>
-                <a:cs typeface="Courier New" panose="02070309020205020404" pitchFamily="49" charset="0"/>
-              </a:rPr>
-              <a:t> </a:t>
-            </a:r>
-            <a:r>
-              <a:rPr lang="id-ID" sz="1600" dirty="0" err="1" smtClean="0">
-                <a:latin typeface="Courier New" panose="02070309020205020404" pitchFamily="49" charset="0"/>
-                <a:cs typeface="Courier New" panose="02070309020205020404" pitchFamily="49" charset="0"/>
-              </a:rPr>
-              <a:t>a_linestring</a:t>
-            </a:r>
-            <a:r>
-              <a:rPr lang="id-ID" sz="1600" dirty="0" smtClean="0">
-                <a:latin typeface="Courier New" panose="02070309020205020404" pitchFamily="49" charset="0"/>
-                <a:cs typeface="Courier New" panose="02070309020205020404" pitchFamily="49" charset="0"/>
-              </a:rPr>
-              <a:t>, </a:t>
-            </a:r>
-            <a:r>
-              <a:rPr lang="id-ID" sz="1600" dirty="0" err="1" smtClean="0">
-                <a:latin typeface="Courier New" panose="02070309020205020404" pitchFamily="49" charset="0"/>
-                <a:cs typeface="Courier New" panose="02070309020205020404" pitchFamily="49" charset="0"/>
-              </a:rPr>
-              <a:t>geometry</a:t>
-            </a:r>
-            <a:r>
-              <a:rPr lang="id-ID" sz="1600" dirty="0" smtClean="0">
-                <a:latin typeface="Courier New" panose="02070309020205020404" pitchFamily="49" charset="0"/>
-                <a:cs typeface="Courier New" panose="02070309020205020404" pitchFamily="49" charset="0"/>
-              </a:rPr>
-              <a:t> </a:t>
-            </a:r>
-            <a:r>
-              <a:rPr lang="id-ID" sz="1600" dirty="0" err="1" smtClean="0">
-                <a:latin typeface="Courier New" panose="02070309020205020404" pitchFamily="49" charset="0"/>
-                <a:cs typeface="Courier New" panose="02070309020205020404" pitchFamily="49" charset="0"/>
-              </a:rPr>
-              <a:t>a_point</a:t>
-            </a:r>
-            <a:r>
-              <a:rPr lang="id-ID" sz="1600" dirty="0" smtClean="0">
-                <a:latin typeface="Courier New" panose="02070309020205020404" pitchFamily="49" charset="0"/>
-                <a:cs typeface="Courier New" panose="02070309020205020404" pitchFamily="49" charset="0"/>
-              </a:rPr>
-              <a:t>)</a:t>
-            </a:r>
-          </a:p>
-          <a:p>
-            <a:r>
-              <a:rPr lang="id-ID" sz="1600" dirty="0" err="1">
-                <a:latin typeface="Courier New" panose="02070309020205020404" pitchFamily="49" charset="0"/>
-                <a:cs typeface="Courier New" panose="02070309020205020404" pitchFamily="49" charset="0"/>
-              </a:rPr>
-              <a:t>text</a:t>
-            </a:r>
-            <a:r>
-              <a:rPr lang="id-ID" sz="1600" dirty="0">
-                <a:latin typeface="Courier New" panose="02070309020205020404" pitchFamily="49" charset="0"/>
-                <a:cs typeface="Courier New" panose="02070309020205020404" pitchFamily="49" charset="0"/>
-              </a:rPr>
-              <a:t> </a:t>
-            </a:r>
-            <a:r>
-              <a:rPr lang="id-ID" sz="1600" b="1" dirty="0" err="1">
-                <a:latin typeface="Courier New" panose="02070309020205020404" pitchFamily="49" charset="0"/>
-                <a:cs typeface="Courier New" panose="02070309020205020404" pitchFamily="49" charset="0"/>
-              </a:rPr>
-              <a:t>ST_GeometryType</a:t>
-            </a:r>
-            <a:r>
-              <a:rPr lang="id-ID" sz="1600" dirty="0">
-                <a:latin typeface="Courier New" panose="02070309020205020404" pitchFamily="49" charset="0"/>
-                <a:cs typeface="Courier New" panose="02070309020205020404" pitchFamily="49" charset="0"/>
-              </a:rPr>
-              <a:t>(</a:t>
-            </a:r>
-            <a:r>
-              <a:rPr lang="id-ID" sz="1600" dirty="0" err="1">
-                <a:latin typeface="Courier New" panose="02070309020205020404" pitchFamily="49" charset="0"/>
-                <a:cs typeface="Courier New" panose="02070309020205020404" pitchFamily="49" charset="0"/>
-              </a:rPr>
-              <a:t>geometry</a:t>
-            </a:r>
-            <a:r>
-              <a:rPr lang="id-ID" sz="1600">
-                <a:latin typeface="Courier New" panose="02070309020205020404" pitchFamily="49" charset="0"/>
-                <a:cs typeface="Courier New" panose="02070309020205020404" pitchFamily="49" charset="0"/>
-              </a:rPr>
-              <a:t> </a:t>
-            </a:r>
-            <a:r>
-              <a:rPr lang="id-ID" sz="1600">
-                <a:latin typeface="Courier New" panose="02070309020205020404" pitchFamily="49" charset="0"/>
-                <a:cs typeface="Courier New" panose="02070309020205020404" pitchFamily="49" charset="0"/>
-              </a:rPr>
-              <a:t>A</a:t>
-            </a:r>
-            <a:r>
-              <a:rPr lang="id-ID" sz="1600" smtClean="0">
-                <a:latin typeface="Courier New" panose="02070309020205020404" pitchFamily="49" charset="0"/>
-                <a:cs typeface="Courier New" panose="02070309020205020404" pitchFamily="49" charset="0"/>
-              </a:rPr>
-              <a:t>)</a:t>
-            </a:r>
-            <a:endParaRPr lang="id-ID" sz="1600" dirty="0" smtClean="0">
-              <a:latin typeface="Courier New" panose="02070309020205020404" pitchFamily="49" charset="0"/>
-              <a:cs typeface="Courier New" panose="02070309020205020404" pitchFamily="49" charset="0"/>
-            </a:endParaRPr>
-          </a:p>
-          <a:p>
-            <a:r>
-              <a:rPr lang="id-ID" sz="1600" dirty="0" err="1" smtClean="0">
-                <a:latin typeface="Courier New" panose="02070309020205020404" pitchFamily="49" charset="0"/>
-                <a:cs typeface="Courier New" panose="02070309020205020404" pitchFamily="49" charset="0"/>
-              </a:rPr>
-              <a:t>integer</a:t>
-            </a:r>
-            <a:r>
-              <a:rPr lang="id-ID" sz="1600" dirty="0" smtClean="0">
-                <a:latin typeface="Courier New" panose="02070309020205020404" pitchFamily="49" charset="0"/>
-                <a:cs typeface="Courier New" panose="02070309020205020404" pitchFamily="49" charset="0"/>
-              </a:rPr>
-              <a:t> </a:t>
-            </a:r>
-            <a:r>
-              <a:rPr lang="id-ID" sz="1600" b="1" dirty="0" err="1" smtClean="0">
-                <a:latin typeface="Courier New" panose="02070309020205020404" pitchFamily="49" charset="0"/>
-                <a:cs typeface="Courier New" panose="02070309020205020404" pitchFamily="49" charset="0"/>
-              </a:rPr>
-              <a:t>ST_NumGeometries</a:t>
-            </a:r>
-            <a:r>
-              <a:rPr lang="id-ID" sz="1600" dirty="0" smtClean="0">
-                <a:latin typeface="Courier New" panose="02070309020205020404" pitchFamily="49" charset="0"/>
-                <a:cs typeface="Courier New" panose="02070309020205020404" pitchFamily="49" charset="0"/>
-              </a:rPr>
-              <a:t>(</a:t>
-            </a:r>
-            <a:r>
-              <a:rPr lang="id-ID" sz="1600" dirty="0" err="1" smtClean="0">
-                <a:latin typeface="Courier New" panose="02070309020205020404" pitchFamily="49" charset="0"/>
-                <a:cs typeface="Courier New" panose="02070309020205020404" pitchFamily="49" charset="0"/>
-              </a:rPr>
-              <a:t>geometry</a:t>
-            </a:r>
-            <a:r>
-              <a:rPr lang="id-ID" sz="1600" dirty="0" smtClean="0">
-                <a:latin typeface="Courier New" panose="02070309020205020404" pitchFamily="49" charset="0"/>
-                <a:cs typeface="Courier New" panose="02070309020205020404" pitchFamily="49" charset="0"/>
-              </a:rPr>
-              <a:t> A)</a:t>
-            </a:r>
-          </a:p>
-          <a:p>
-            <a:r>
-              <a:rPr lang="id-ID" sz="1600" dirty="0" err="1">
-                <a:latin typeface="Courier New" panose="02070309020205020404" pitchFamily="49" charset="0"/>
-                <a:cs typeface="Courier New" panose="02070309020205020404" pitchFamily="49" charset="0"/>
-              </a:rPr>
-              <a:t>geometry</a:t>
-            </a:r>
-            <a:r>
-              <a:rPr lang="id-ID" sz="1600" dirty="0">
-                <a:latin typeface="Courier New" panose="02070309020205020404" pitchFamily="49" charset="0"/>
-                <a:cs typeface="Courier New" panose="02070309020205020404" pitchFamily="49" charset="0"/>
-              </a:rPr>
-              <a:t> </a:t>
-            </a:r>
-            <a:r>
-              <a:rPr lang="id-ID" sz="1600" b="1" dirty="0" err="1">
-                <a:latin typeface="Courier New" panose="02070309020205020404" pitchFamily="49" charset="0"/>
-                <a:cs typeface="Courier New" panose="02070309020205020404" pitchFamily="49" charset="0"/>
-              </a:rPr>
-              <a:t>ST_GeometryN</a:t>
-            </a:r>
-            <a:r>
-              <a:rPr lang="id-ID" sz="1600" dirty="0">
-                <a:latin typeface="Courier New" panose="02070309020205020404" pitchFamily="49" charset="0"/>
-                <a:cs typeface="Courier New" panose="02070309020205020404" pitchFamily="49" charset="0"/>
-              </a:rPr>
-              <a:t>(</a:t>
-            </a:r>
-            <a:r>
-              <a:rPr lang="id-ID" sz="1600" dirty="0" err="1">
-                <a:latin typeface="Courier New" panose="02070309020205020404" pitchFamily="49" charset="0"/>
-                <a:cs typeface="Courier New" panose="02070309020205020404" pitchFamily="49" charset="0"/>
-              </a:rPr>
-              <a:t>geometry</a:t>
-            </a:r>
-            <a:r>
-              <a:rPr lang="id-ID" sz="1600" dirty="0">
-                <a:latin typeface="Courier New" panose="02070309020205020404" pitchFamily="49" charset="0"/>
-                <a:cs typeface="Courier New" panose="02070309020205020404" pitchFamily="49" charset="0"/>
-              </a:rPr>
-              <a:t> A, </a:t>
-            </a:r>
-            <a:r>
-              <a:rPr lang="id-ID" sz="1600" dirty="0" err="1">
-                <a:latin typeface="Courier New" panose="02070309020205020404" pitchFamily="49" charset="0"/>
-                <a:cs typeface="Courier New" panose="02070309020205020404" pitchFamily="49" charset="0"/>
-              </a:rPr>
-              <a:t>integer</a:t>
-            </a:r>
-            <a:r>
-              <a:rPr lang="id-ID" sz="1600" dirty="0">
-                <a:latin typeface="Courier New" panose="02070309020205020404" pitchFamily="49" charset="0"/>
-                <a:cs typeface="Courier New" panose="02070309020205020404" pitchFamily="49" charset="0"/>
-              </a:rPr>
-              <a:t> N</a:t>
-            </a:r>
-            <a:r>
-              <a:rPr lang="id-ID" sz="1600" dirty="0" smtClean="0">
-                <a:latin typeface="Courier New" panose="02070309020205020404" pitchFamily="49" charset="0"/>
-                <a:cs typeface="Courier New" panose="02070309020205020404" pitchFamily="49" charset="0"/>
-              </a:rPr>
-              <a:t>)</a:t>
-            </a:r>
-          </a:p>
-        </p:txBody>
-      </p:sp>
-    </p:spTree>
-    <p:extLst>
-      <p:ext uri="{BB962C8B-B14F-4D97-AF65-F5344CB8AC3E}">
-        <p14:creationId xmlns:p14="http://schemas.microsoft.com/office/powerpoint/2010/main" val="2191119276"/>
-      </p:ext>
-    </p:extLst>
-  </p:cSld>
-  <p:clrMapOvr>
-    <a:masterClrMapping/>
-  </p:clrMapOvr>
-</p:sld>
-</file>
-
-<file path=ppt/slides/slide5.xml><?xml version="1.0" encoding="utf-8"?>
 <p:sld xmlns:a="http://schemas.openxmlformats.org/drawingml/2006/main" xmlns:r="http://schemas.openxmlformats.org/officeDocument/2006/relationships" xmlns:p="http://schemas.openxmlformats.org/presentationml/2006/main">
   <p:cSld>
     <p:spTree>
@@ -5562,10 +4688,876 @@
   <p:timing>
     <p:tnLst>
       <p:par>
-        <p:cTn id="1" dur="indefinite" restart="never" nodeType="tmRoot"/>
+        <p:cTn xmlns:p14="http://schemas.microsoft.com/office/powerpoint/2010/main" id="1" dur="indefinite" restart="never" nodeType="tmRoot"/>
       </p:par>
     </p:tnLst>
   </p:timing>
+</p:sld>
+</file>
+
+<file path=ppt/slides/slide5.xml><?xml version="1.0" encoding="utf-8"?>
+<p:sld xmlns:a="http://schemas.openxmlformats.org/drawingml/2006/main" xmlns:r="http://schemas.openxmlformats.org/officeDocument/2006/relationships" xmlns:p="http://schemas.openxmlformats.org/presentationml/2006/main">
+  <p:cSld>
+    <p:spTree>
+      <p:nvGrpSpPr>
+        <p:cNvPr id="1" name=""/>
+        <p:cNvGrpSpPr/>
+        <p:nvPr/>
+      </p:nvGrpSpPr>
+      <p:grpSpPr>
+        <a:xfrm>
+          <a:off x="0" y="0"/>
+          <a:ext cx="0" cy="0"/>
+          <a:chOff x="0" y="0"/>
+          <a:chExt cx="0" cy="0"/>
+        </a:xfrm>
+      </p:grpSpPr>
+      <p:sp>
+        <p:nvSpPr>
+          <p:cNvPr id="2" name="Title 1"/>
+          <p:cNvSpPr>
+            <a:spLocks noGrp="1"/>
+          </p:cNvSpPr>
+          <p:nvPr>
+            <p:ph type="title"/>
+          </p:nvPr>
+        </p:nvSpPr>
+        <p:spPr/>
+        <p:txBody>
+          <a:bodyPr>
+            <a:normAutofit fontScale="90000"/>
+          </a:bodyPr>
+          <a:lstStyle/>
+          <a:p>
+            <a:r>
+              <a:rPr lang="id-ID" dirty="0" err="1" smtClean="0"/>
+              <a:t>Query-query</a:t>
+            </a:r>
+            <a:r>
+              <a:rPr lang="id-ID" dirty="0" smtClean="0"/>
+              <a:t> </a:t>
+            </a:r>
+            <a:r>
+              <a:rPr lang="id-ID" dirty="0" err="1" smtClean="0"/>
+              <a:t>PostGIS</a:t>
+            </a:r>
+            <a:r>
+              <a:rPr lang="id-ID" dirty="0" smtClean="0"/>
+              <a:t> yang digunakan</a:t>
+            </a:r>
+            <a:endParaRPr lang="id-ID" dirty="0"/>
+          </a:p>
+        </p:txBody>
+      </p:sp>
+      <p:sp>
+        <p:nvSpPr>
+          <p:cNvPr id="3" name="Content Placeholder 2"/>
+          <p:cNvSpPr>
+            <a:spLocks noGrp="1"/>
+          </p:cNvSpPr>
+          <p:nvPr>
+            <p:ph sz="quarter" idx="1"/>
+          </p:nvPr>
+        </p:nvSpPr>
+        <p:spPr>
+          <a:xfrm>
+            <a:off x="457200" y="1600200"/>
+            <a:ext cx="8577470" cy="4495800"/>
+          </a:xfrm>
+        </p:spPr>
+        <p:txBody>
+          <a:bodyPr>
+            <a:noAutofit/>
+          </a:bodyPr>
+          <a:lstStyle/>
+          <a:p>
+            <a:r>
+              <a:rPr lang="id-ID" sz="1600" dirty="0" err="1" smtClean="0">
+                <a:latin typeface="Courier New" panose="02070309020205020404" pitchFamily="49" charset="0"/>
+                <a:cs typeface="Courier New" panose="02070309020205020404" pitchFamily="49" charset="0"/>
+              </a:rPr>
+              <a:t>geometry</a:t>
+            </a:r>
+            <a:r>
+              <a:rPr lang="id-ID" sz="1600" dirty="0" smtClean="0">
+                <a:latin typeface="Courier New" panose="02070309020205020404" pitchFamily="49" charset="0"/>
+                <a:cs typeface="Courier New" panose="02070309020205020404" pitchFamily="49" charset="0"/>
+              </a:rPr>
+              <a:t> </a:t>
+            </a:r>
+            <a:r>
+              <a:rPr lang="id-ID" sz="1600" b="1" dirty="0" err="1" smtClean="0">
+                <a:latin typeface="Courier New" panose="02070309020205020404" pitchFamily="49" charset="0"/>
+                <a:cs typeface="Courier New" panose="02070309020205020404" pitchFamily="49" charset="0"/>
+              </a:rPr>
+              <a:t>ST_GeomFromText</a:t>
+            </a:r>
+            <a:r>
+              <a:rPr lang="id-ID" sz="1600" dirty="0" smtClean="0">
+                <a:latin typeface="Courier New" panose="02070309020205020404" pitchFamily="49" charset="0"/>
+                <a:cs typeface="Courier New" panose="02070309020205020404" pitchFamily="49" charset="0"/>
+              </a:rPr>
+              <a:t>(</a:t>
+            </a:r>
+            <a:r>
+              <a:rPr lang="id-ID" sz="1600" dirty="0" err="1" smtClean="0">
+                <a:latin typeface="Courier New" panose="02070309020205020404" pitchFamily="49" charset="0"/>
+                <a:cs typeface="Courier New" panose="02070309020205020404" pitchFamily="49" charset="0"/>
+              </a:rPr>
+              <a:t>text</a:t>
+            </a:r>
+            <a:r>
+              <a:rPr lang="id-ID" sz="1600" dirty="0" smtClean="0">
+                <a:latin typeface="Courier New" panose="02070309020205020404" pitchFamily="49" charset="0"/>
+                <a:cs typeface="Courier New" panose="02070309020205020404" pitchFamily="49" charset="0"/>
+              </a:rPr>
+              <a:t> WKT)</a:t>
+            </a:r>
+          </a:p>
+          <a:p>
+            <a:r>
+              <a:rPr lang="id-ID" sz="1600" dirty="0" err="1" smtClean="0">
+                <a:latin typeface="Courier New" panose="02070309020205020404" pitchFamily="49" charset="0"/>
+                <a:cs typeface="Courier New" panose="02070309020205020404" pitchFamily="49" charset="0"/>
+              </a:rPr>
+              <a:t>text</a:t>
+            </a:r>
+            <a:r>
+              <a:rPr lang="id-ID" sz="1600" dirty="0" smtClean="0">
+                <a:latin typeface="Courier New" panose="02070309020205020404" pitchFamily="49" charset="0"/>
+                <a:cs typeface="Courier New" panose="02070309020205020404" pitchFamily="49" charset="0"/>
+              </a:rPr>
+              <a:t> </a:t>
+            </a:r>
+            <a:r>
+              <a:rPr lang="id-ID" sz="1600" b="1" dirty="0" err="1" smtClean="0">
+                <a:latin typeface="Courier New" panose="02070309020205020404" pitchFamily="49" charset="0"/>
+                <a:cs typeface="Courier New" panose="02070309020205020404" pitchFamily="49" charset="0"/>
+              </a:rPr>
+              <a:t>ST_AsGeoJSON</a:t>
+            </a:r>
+            <a:r>
+              <a:rPr lang="id-ID" sz="1600" dirty="0" smtClean="0">
+                <a:latin typeface="Courier New" panose="02070309020205020404" pitchFamily="49" charset="0"/>
+                <a:cs typeface="Courier New" panose="02070309020205020404" pitchFamily="49" charset="0"/>
+              </a:rPr>
+              <a:t>(</a:t>
+            </a:r>
+            <a:r>
+              <a:rPr lang="id-ID" sz="1600" dirty="0" err="1" smtClean="0">
+                <a:latin typeface="Courier New" panose="02070309020205020404" pitchFamily="49" charset="0"/>
+                <a:cs typeface="Courier New" panose="02070309020205020404" pitchFamily="49" charset="0"/>
+              </a:rPr>
+              <a:t>geometry</a:t>
+            </a:r>
+            <a:r>
+              <a:rPr lang="id-ID" sz="1600" dirty="0" smtClean="0">
+                <a:latin typeface="Courier New" panose="02070309020205020404" pitchFamily="49" charset="0"/>
+                <a:cs typeface="Courier New" panose="02070309020205020404" pitchFamily="49" charset="0"/>
+              </a:rPr>
+              <a:t> A)</a:t>
+            </a:r>
+          </a:p>
+          <a:p>
+            <a:r>
+              <a:rPr lang="id-ID" sz="1600" dirty="0" err="1" smtClean="0">
+                <a:latin typeface="Courier New" panose="02070309020205020404" pitchFamily="49" charset="0"/>
+                <a:cs typeface="Courier New" panose="02070309020205020404" pitchFamily="49" charset="0"/>
+              </a:rPr>
+              <a:t>boolean</a:t>
+            </a:r>
+            <a:r>
+              <a:rPr lang="id-ID" sz="1600" dirty="0" smtClean="0">
+                <a:latin typeface="Courier New" panose="02070309020205020404" pitchFamily="49" charset="0"/>
+                <a:cs typeface="Courier New" panose="02070309020205020404" pitchFamily="49" charset="0"/>
+              </a:rPr>
+              <a:t> </a:t>
+            </a:r>
+            <a:r>
+              <a:rPr lang="id-ID" sz="1600" b="1" dirty="0" err="1" smtClean="0">
+                <a:latin typeface="Courier New" panose="02070309020205020404" pitchFamily="49" charset="0"/>
+                <a:cs typeface="Courier New" panose="02070309020205020404" pitchFamily="49" charset="0"/>
+              </a:rPr>
+              <a:t>ST_Intersects</a:t>
+            </a:r>
+            <a:r>
+              <a:rPr lang="id-ID" sz="1600" dirty="0" smtClean="0">
+                <a:latin typeface="Courier New" panose="02070309020205020404" pitchFamily="49" charset="0"/>
+                <a:cs typeface="Courier New" panose="02070309020205020404" pitchFamily="49" charset="0"/>
+              </a:rPr>
+              <a:t>(</a:t>
+            </a:r>
+            <a:r>
+              <a:rPr lang="id-ID" sz="1600" dirty="0" err="1" smtClean="0">
+                <a:latin typeface="Courier New" panose="02070309020205020404" pitchFamily="49" charset="0"/>
+                <a:cs typeface="Courier New" panose="02070309020205020404" pitchFamily="49" charset="0"/>
+              </a:rPr>
+              <a:t>geometry</a:t>
+            </a:r>
+            <a:r>
+              <a:rPr lang="id-ID" sz="1600" dirty="0" smtClean="0">
+                <a:latin typeface="Courier New" panose="02070309020205020404" pitchFamily="49" charset="0"/>
+                <a:cs typeface="Courier New" panose="02070309020205020404" pitchFamily="49" charset="0"/>
+              </a:rPr>
+              <a:t> A, </a:t>
+            </a:r>
+            <a:r>
+              <a:rPr lang="id-ID" sz="1600" dirty="0" err="1" smtClean="0">
+                <a:latin typeface="Courier New" panose="02070309020205020404" pitchFamily="49" charset="0"/>
+                <a:cs typeface="Courier New" panose="02070309020205020404" pitchFamily="49" charset="0"/>
+              </a:rPr>
+              <a:t>geometry</a:t>
+            </a:r>
+            <a:r>
+              <a:rPr lang="id-ID" sz="1600" dirty="0" smtClean="0">
+                <a:latin typeface="Courier New" panose="02070309020205020404" pitchFamily="49" charset="0"/>
+                <a:cs typeface="Courier New" panose="02070309020205020404" pitchFamily="49" charset="0"/>
+              </a:rPr>
+              <a:t> B)</a:t>
+            </a:r>
+            <a:endParaRPr lang="id-ID" sz="1600" dirty="0">
+              <a:latin typeface="Courier New" panose="02070309020205020404" pitchFamily="49" charset="0"/>
+              <a:cs typeface="Courier New" panose="02070309020205020404" pitchFamily="49" charset="0"/>
+            </a:endParaRPr>
+          </a:p>
+          <a:p>
+            <a:r>
+              <a:rPr lang="id-ID" sz="1600" dirty="0" err="1">
+                <a:latin typeface="Courier New" panose="02070309020205020404" pitchFamily="49" charset="0"/>
+                <a:cs typeface="Courier New" panose="02070309020205020404" pitchFamily="49" charset="0"/>
+              </a:rPr>
+              <a:t>boolean</a:t>
+            </a:r>
+            <a:r>
+              <a:rPr lang="id-ID" sz="1600" dirty="0">
+                <a:latin typeface="Courier New" panose="02070309020205020404" pitchFamily="49" charset="0"/>
+                <a:cs typeface="Courier New" panose="02070309020205020404" pitchFamily="49" charset="0"/>
+              </a:rPr>
+              <a:t> </a:t>
+            </a:r>
+            <a:r>
+              <a:rPr lang="id-ID" sz="1600" b="1" dirty="0" err="1" smtClean="0">
+                <a:latin typeface="Courier New" panose="02070309020205020404" pitchFamily="49" charset="0"/>
+                <a:cs typeface="Courier New" panose="02070309020205020404" pitchFamily="49" charset="0"/>
+              </a:rPr>
+              <a:t>ST_Overlaps</a:t>
+            </a:r>
+            <a:r>
+              <a:rPr lang="id-ID" sz="1600" dirty="0" smtClean="0">
+                <a:latin typeface="Courier New" panose="02070309020205020404" pitchFamily="49" charset="0"/>
+                <a:cs typeface="Courier New" panose="02070309020205020404" pitchFamily="49" charset="0"/>
+              </a:rPr>
+              <a:t>(</a:t>
+            </a:r>
+            <a:r>
+              <a:rPr lang="id-ID" sz="1600" dirty="0" err="1" smtClean="0">
+                <a:latin typeface="Courier New" panose="02070309020205020404" pitchFamily="49" charset="0"/>
+                <a:cs typeface="Courier New" panose="02070309020205020404" pitchFamily="49" charset="0"/>
+              </a:rPr>
+              <a:t>geometry</a:t>
+            </a:r>
+            <a:r>
+              <a:rPr lang="id-ID" sz="1600" dirty="0" smtClean="0">
+                <a:latin typeface="Courier New" panose="02070309020205020404" pitchFamily="49" charset="0"/>
+                <a:cs typeface="Courier New" panose="02070309020205020404" pitchFamily="49" charset="0"/>
+              </a:rPr>
+              <a:t> </a:t>
+            </a:r>
+            <a:r>
+              <a:rPr lang="id-ID" sz="1600" dirty="0">
+                <a:latin typeface="Courier New" panose="02070309020205020404" pitchFamily="49" charset="0"/>
+                <a:cs typeface="Courier New" panose="02070309020205020404" pitchFamily="49" charset="0"/>
+              </a:rPr>
+              <a:t>A, </a:t>
+            </a:r>
+            <a:r>
+              <a:rPr lang="id-ID" sz="1600" dirty="0" err="1">
+                <a:latin typeface="Courier New" panose="02070309020205020404" pitchFamily="49" charset="0"/>
+                <a:cs typeface="Courier New" panose="02070309020205020404" pitchFamily="49" charset="0"/>
+              </a:rPr>
+              <a:t>geometry</a:t>
+            </a:r>
+            <a:r>
+              <a:rPr lang="id-ID" sz="1600" dirty="0">
+                <a:latin typeface="Courier New" panose="02070309020205020404" pitchFamily="49" charset="0"/>
+                <a:cs typeface="Courier New" panose="02070309020205020404" pitchFamily="49" charset="0"/>
+              </a:rPr>
+              <a:t> B)</a:t>
+            </a:r>
+          </a:p>
+          <a:p>
+            <a:r>
+              <a:rPr lang="id-ID" sz="1600" dirty="0" err="1">
+                <a:latin typeface="Courier New" panose="02070309020205020404" pitchFamily="49" charset="0"/>
+                <a:cs typeface="Courier New" panose="02070309020205020404" pitchFamily="49" charset="0"/>
+              </a:rPr>
+              <a:t>boolean</a:t>
+            </a:r>
+            <a:r>
+              <a:rPr lang="id-ID" sz="1600" dirty="0">
+                <a:latin typeface="Courier New" panose="02070309020205020404" pitchFamily="49" charset="0"/>
+                <a:cs typeface="Courier New" panose="02070309020205020404" pitchFamily="49" charset="0"/>
+              </a:rPr>
+              <a:t> </a:t>
+            </a:r>
+            <a:r>
+              <a:rPr lang="id-ID" sz="1600" b="1" dirty="0" err="1">
+                <a:latin typeface="Courier New" panose="02070309020205020404" pitchFamily="49" charset="0"/>
+                <a:cs typeface="Courier New" panose="02070309020205020404" pitchFamily="49" charset="0"/>
+              </a:rPr>
+              <a:t>ST_Equals</a:t>
+            </a:r>
+            <a:r>
+              <a:rPr lang="id-ID" sz="1600" dirty="0">
+                <a:latin typeface="Courier New" panose="02070309020205020404" pitchFamily="49" charset="0"/>
+                <a:cs typeface="Courier New" panose="02070309020205020404" pitchFamily="49" charset="0"/>
+              </a:rPr>
+              <a:t>(</a:t>
+            </a:r>
+            <a:r>
+              <a:rPr lang="id-ID" sz="1600" dirty="0" err="1">
+                <a:latin typeface="Courier New" panose="02070309020205020404" pitchFamily="49" charset="0"/>
+                <a:cs typeface="Courier New" panose="02070309020205020404" pitchFamily="49" charset="0"/>
+              </a:rPr>
+              <a:t>geometry</a:t>
+            </a:r>
+            <a:r>
+              <a:rPr lang="id-ID" sz="1600" dirty="0">
+                <a:latin typeface="Courier New" panose="02070309020205020404" pitchFamily="49" charset="0"/>
+                <a:cs typeface="Courier New" panose="02070309020205020404" pitchFamily="49" charset="0"/>
+              </a:rPr>
+              <a:t> A, </a:t>
+            </a:r>
+            <a:r>
+              <a:rPr lang="id-ID" sz="1600" dirty="0" err="1">
+                <a:latin typeface="Courier New" panose="02070309020205020404" pitchFamily="49" charset="0"/>
+                <a:cs typeface="Courier New" panose="02070309020205020404" pitchFamily="49" charset="0"/>
+              </a:rPr>
+              <a:t>geometry</a:t>
+            </a:r>
+            <a:r>
+              <a:rPr lang="id-ID" sz="1600" dirty="0">
+                <a:latin typeface="Courier New" panose="02070309020205020404" pitchFamily="49" charset="0"/>
+                <a:cs typeface="Courier New" panose="02070309020205020404" pitchFamily="49" charset="0"/>
+              </a:rPr>
+              <a:t> B</a:t>
+            </a:r>
+            <a:r>
+              <a:rPr lang="id-ID" sz="1600" dirty="0" smtClean="0">
+                <a:latin typeface="Courier New" panose="02070309020205020404" pitchFamily="49" charset="0"/>
+                <a:cs typeface="Courier New" panose="02070309020205020404" pitchFamily="49" charset="0"/>
+              </a:rPr>
+              <a:t>)</a:t>
+            </a:r>
+          </a:p>
+          <a:p>
+            <a:r>
+              <a:rPr lang="id-ID" sz="1600" dirty="0" err="1" smtClean="0">
+                <a:latin typeface="Courier New" panose="02070309020205020404" pitchFamily="49" charset="0"/>
+                <a:cs typeface="Courier New" panose="02070309020205020404" pitchFamily="49" charset="0"/>
+              </a:rPr>
+              <a:t>geometry</a:t>
+            </a:r>
+            <a:r>
+              <a:rPr lang="id-ID" sz="1600" dirty="0" smtClean="0">
+                <a:latin typeface="Courier New" panose="02070309020205020404" pitchFamily="49" charset="0"/>
+                <a:cs typeface="Courier New" panose="02070309020205020404" pitchFamily="49" charset="0"/>
+              </a:rPr>
+              <a:t> </a:t>
+            </a:r>
+            <a:r>
+              <a:rPr lang="id-ID" sz="1600" b="1" dirty="0" err="1" smtClean="0">
+                <a:latin typeface="Courier New" panose="02070309020205020404" pitchFamily="49" charset="0"/>
+                <a:cs typeface="Courier New" panose="02070309020205020404" pitchFamily="49" charset="0"/>
+              </a:rPr>
+              <a:t>ST_Buffer</a:t>
+            </a:r>
+            <a:r>
+              <a:rPr lang="id-ID" sz="1600" dirty="0" smtClean="0">
+                <a:latin typeface="Courier New" panose="02070309020205020404" pitchFamily="49" charset="0"/>
+                <a:cs typeface="Courier New" panose="02070309020205020404" pitchFamily="49" charset="0"/>
+              </a:rPr>
+              <a:t>(</a:t>
+            </a:r>
+            <a:r>
+              <a:rPr lang="id-ID" sz="1600" dirty="0" err="1" smtClean="0">
+                <a:latin typeface="Courier New" panose="02070309020205020404" pitchFamily="49" charset="0"/>
+                <a:cs typeface="Courier New" panose="02070309020205020404" pitchFamily="49" charset="0"/>
+              </a:rPr>
+              <a:t>geometry</a:t>
+            </a:r>
+            <a:r>
+              <a:rPr lang="id-ID" sz="1600" dirty="0" smtClean="0">
+                <a:latin typeface="Courier New" panose="02070309020205020404" pitchFamily="49" charset="0"/>
+                <a:cs typeface="Courier New" panose="02070309020205020404" pitchFamily="49" charset="0"/>
+              </a:rPr>
+              <a:t> A, </a:t>
+            </a:r>
+            <a:r>
+              <a:rPr lang="id-ID" sz="1600" dirty="0" err="1" smtClean="0">
+                <a:latin typeface="Courier New" panose="02070309020205020404" pitchFamily="49" charset="0"/>
+                <a:cs typeface="Courier New" panose="02070309020205020404" pitchFamily="49" charset="0"/>
+              </a:rPr>
+              <a:t>float</a:t>
+            </a:r>
+            <a:r>
+              <a:rPr lang="id-ID" sz="1600" dirty="0" smtClean="0">
+                <a:latin typeface="Courier New" panose="02070309020205020404" pitchFamily="49" charset="0"/>
+                <a:cs typeface="Courier New" panose="02070309020205020404" pitchFamily="49" charset="0"/>
+              </a:rPr>
+              <a:t> radius)</a:t>
+            </a:r>
+          </a:p>
+          <a:p>
+            <a:r>
+              <a:rPr lang="id-ID" sz="1600" dirty="0" err="1" smtClean="0">
+                <a:latin typeface="Courier New" panose="02070309020205020404" pitchFamily="49" charset="0"/>
+                <a:cs typeface="Courier New" panose="02070309020205020404" pitchFamily="49" charset="0"/>
+              </a:rPr>
+              <a:t>geometry</a:t>
+            </a:r>
+            <a:r>
+              <a:rPr lang="id-ID" sz="1600" dirty="0" smtClean="0">
+                <a:latin typeface="Courier New" panose="02070309020205020404" pitchFamily="49" charset="0"/>
+                <a:cs typeface="Courier New" panose="02070309020205020404" pitchFamily="49" charset="0"/>
+              </a:rPr>
+              <a:t> </a:t>
+            </a:r>
+            <a:r>
+              <a:rPr lang="id-ID" sz="1600" b="1" dirty="0" err="1" smtClean="0">
+                <a:latin typeface="Courier New" panose="02070309020205020404" pitchFamily="49" charset="0"/>
+                <a:cs typeface="Courier New" panose="02070309020205020404" pitchFamily="49" charset="0"/>
+              </a:rPr>
+              <a:t>ST_LineSubstring</a:t>
+            </a:r>
+            <a:r>
+              <a:rPr lang="id-ID" sz="1600" dirty="0" smtClean="0">
+                <a:latin typeface="Courier New" panose="02070309020205020404" pitchFamily="49" charset="0"/>
+                <a:cs typeface="Courier New" panose="02070309020205020404" pitchFamily="49" charset="0"/>
+              </a:rPr>
+              <a:t>(</a:t>
+            </a:r>
+            <a:r>
+              <a:rPr lang="id-ID" sz="1600" dirty="0" err="1" smtClean="0">
+                <a:latin typeface="Courier New" panose="02070309020205020404" pitchFamily="49" charset="0"/>
+                <a:cs typeface="Courier New" panose="02070309020205020404" pitchFamily="49" charset="0"/>
+              </a:rPr>
+              <a:t>geometry</a:t>
+            </a:r>
+            <a:r>
+              <a:rPr lang="id-ID" sz="1600" dirty="0" smtClean="0">
+                <a:latin typeface="Courier New" panose="02070309020205020404" pitchFamily="49" charset="0"/>
+                <a:cs typeface="Courier New" panose="02070309020205020404" pitchFamily="49" charset="0"/>
+              </a:rPr>
+              <a:t> A, </a:t>
+            </a:r>
+            <a:r>
+              <a:rPr lang="id-ID" sz="1600" dirty="0" err="1" smtClean="0">
+                <a:latin typeface="Courier New" panose="02070309020205020404" pitchFamily="49" charset="0"/>
+                <a:cs typeface="Courier New" panose="02070309020205020404" pitchFamily="49" charset="0"/>
+              </a:rPr>
+              <a:t>float</a:t>
+            </a:r>
+            <a:r>
+              <a:rPr lang="id-ID" sz="1600" dirty="0" smtClean="0">
+                <a:latin typeface="Courier New" panose="02070309020205020404" pitchFamily="49" charset="0"/>
+                <a:cs typeface="Courier New" panose="02070309020205020404" pitchFamily="49" charset="0"/>
+              </a:rPr>
+              <a:t> start, </a:t>
+            </a:r>
+            <a:r>
+              <a:rPr lang="id-ID" sz="1600" dirty="0" err="1" smtClean="0">
+                <a:latin typeface="Courier New" panose="02070309020205020404" pitchFamily="49" charset="0"/>
+                <a:cs typeface="Courier New" panose="02070309020205020404" pitchFamily="49" charset="0"/>
+              </a:rPr>
+              <a:t>float</a:t>
+            </a:r>
+            <a:r>
+              <a:rPr lang="id-ID" sz="1600" dirty="0" smtClean="0">
+                <a:latin typeface="Courier New" panose="02070309020205020404" pitchFamily="49" charset="0"/>
+                <a:cs typeface="Courier New" panose="02070309020205020404" pitchFamily="49" charset="0"/>
+              </a:rPr>
+              <a:t> </a:t>
+            </a:r>
+            <a:r>
+              <a:rPr lang="id-ID" sz="1600" dirty="0" err="1" smtClean="0">
+                <a:latin typeface="Courier New" panose="02070309020205020404" pitchFamily="49" charset="0"/>
+                <a:cs typeface="Courier New" panose="02070309020205020404" pitchFamily="49" charset="0"/>
+              </a:rPr>
+              <a:t>end</a:t>
+            </a:r>
+            <a:r>
+              <a:rPr lang="id-ID" sz="1600" dirty="0" smtClean="0">
+                <a:latin typeface="Courier New" panose="02070309020205020404" pitchFamily="49" charset="0"/>
+                <a:cs typeface="Courier New" panose="02070309020205020404" pitchFamily="49" charset="0"/>
+              </a:rPr>
+              <a:t>)</a:t>
+            </a:r>
+          </a:p>
+          <a:p>
+            <a:r>
+              <a:rPr lang="id-ID" sz="1600" dirty="0" err="1" smtClean="0">
+                <a:latin typeface="Courier New" panose="02070309020205020404" pitchFamily="49" charset="0"/>
+                <a:cs typeface="Courier New" panose="02070309020205020404" pitchFamily="49" charset="0"/>
+              </a:rPr>
+              <a:t>geometry</a:t>
+            </a:r>
+            <a:r>
+              <a:rPr lang="id-ID" sz="1600" dirty="0" smtClean="0">
+                <a:latin typeface="Courier New" panose="02070309020205020404" pitchFamily="49" charset="0"/>
+                <a:cs typeface="Courier New" panose="02070309020205020404" pitchFamily="49" charset="0"/>
+              </a:rPr>
+              <a:t> </a:t>
+            </a:r>
+            <a:r>
+              <a:rPr lang="id-ID" sz="1600" b="1" dirty="0" err="1" smtClean="0">
+                <a:latin typeface="Courier New" panose="02070309020205020404" pitchFamily="49" charset="0"/>
+                <a:cs typeface="Courier New" panose="02070309020205020404" pitchFamily="49" charset="0"/>
+              </a:rPr>
+              <a:t>ST_Intersection</a:t>
+            </a:r>
+            <a:r>
+              <a:rPr lang="id-ID" sz="1600" dirty="0" smtClean="0">
+                <a:latin typeface="Courier New" panose="02070309020205020404" pitchFamily="49" charset="0"/>
+                <a:cs typeface="Courier New" panose="02070309020205020404" pitchFamily="49" charset="0"/>
+              </a:rPr>
+              <a:t>(</a:t>
+            </a:r>
+            <a:r>
+              <a:rPr lang="id-ID" sz="1600" dirty="0" err="1" smtClean="0">
+                <a:latin typeface="Courier New" panose="02070309020205020404" pitchFamily="49" charset="0"/>
+                <a:cs typeface="Courier New" panose="02070309020205020404" pitchFamily="49" charset="0"/>
+              </a:rPr>
+              <a:t>geometry</a:t>
+            </a:r>
+            <a:r>
+              <a:rPr lang="id-ID" sz="1600" dirty="0" smtClean="0">
+                <a:latin typeface="Courier New" panose="02070309020205020404" pitchFamily="49" charset="0"/>
+                <a:cs typeface="Courier New" panose="02070309020205020404" pitchFamily="49" charset="0"/>
+              </a:rPr>
+              <a:t> A, </a:t>
+            </a:r>
+            <a:r>
+              <a:rPr lang="id-ID" sz="1600" dirty="0" err="1" smtClean="0">
+                <a:latin typeface="Courier New" panose="02070309020205020404" pitchFamily="49" charset="0"/>
+                <a:cs typeface="Courier New" panose="02070309020205020404" pitchFamily="49" charset="0"/>
+              </a:rPr>
+              <a:t>geometry</a:t>
+            </a:r>
+            <a:r>
+              <a:rPr lang="id-ID" sz="1600" dirty="0" smtClean="0">
+                <a:latin typeface="Courier New" panose="02070309020205020404" pitchFamily="49" charset="0"/>
+                <a:cs typeface="Courier New" panose="02070309020205020404" pitchFamily="49" charset="0"/>
+              </a:rPr>
+              <a:t> B)</a:t>
+            </a:r>
+          </a:p>
+          <a:p>
+            <a:r>
+              <a:rPr lang="id-ID" sz="1600" dirty="0" err="1" smtClean="0">
+                <a:latin typeface="Courier New" panose="02070309020205020404" pitchFamily="49" charset="0"/>
+                <a:cs typeface="Courier New" panose="02070309020205020404" pitchFamily="49" charset="0"/>
+              </a:rPr>
+              <a:t>geometry</a:t>
+            </a:r>
+            <a:r>
+              <a:rPr lang="id-ID" sz="1600" dirty="0" smtClean="0">
+                <a:latin typeface="Courier New" panose="02070309020205020404" pitchFamily="49" charset="0"/>
+                <a:cs typeface="Courier New" panose="02070309020205020404" pitchFamily="49" charset="0"/>
+              </a:rPr>
+              <a:t> </a:t>
+            </a:r>
+            <a:r>
+              <a:rPr lang="id-ID" sz="1600" b="1" dirty="0" err="1" smtClean="0">
+                <a:latin typeface="Courier New" panose="02070309020205020404" pitchFamily="49" charset="0"/>
+                <a:cs typeface="Courier New" panose="02070309020205020404" pitchFamily="49" charset="0"/>
+              </a:rPr>
+              <a:t>ST_StartPoint</a:t>
+            </a:r>
+            <a:r>
+              <a:rPr lang="id-ID" sz="1600" dirty="0" smtClean="0">
+                <a:latin typeface="Courier New" panose="02070309020205020404" pitchFamily="49" charset="0"/>
+                <a:cs typeface="Courier New" panose="02070309020205020404" pitchFamily="49" charset="0"/>
+              </a:rPr>
+              <a:t>(</a:t>
+            </a:r>
+            <a:r>
+              <a:rPr lang="id-ID" sz="1600" dirty="0" err="1" smtClean="0">
+                <a:latin typeface="Courier New" panose="02070309020205020404" pitchFamily="49" charset="0"/>
+                <a:cs typeface="Courier New" panose="02070309020205020404" pitchFamily="49" charset="0"/>
+              </a:rPr>
+              <a:t>geometry</a:t>
+            </a:r>
+            <a:r>
+              <a:rPr lang="id-ID" sz="1600" dirty="0" smtClean="0">
+                <a:latin typeface="Courier New" panose="02070309020205020404" pitchFamily="49" charset="0"/>
+                <a:cs typeface="Courier New" panose="02070309020205020404" pitchFamily="49" charset="0"/>
+              </a:rPr>
+              <a:t> A)</a:t>
+            </a:r>
+          </a:p>
+          <a:p>
+            <a:r>
+              <a:rPr lang="id-ID" sz="1600" dirty="0" err="1" smtClean="0">
+                <a:latin typeface="Courier New" panose="02070309020205020404" pitchFamily="49" charset="0"/>
+                <a:cs typeface="Courier New" panose="02070309020205020404" pitchFamily="49" charset="0"/>
+              </a:rPr>
+              <a:t>float</a:t>
+            </a:r>
+            <a:r>
+              <a:rPr lang="id-ID" sz="1600" dirty="0" smtClean="0">
+                <a:latin typeface="Courier New" panose="02070309020205020404" pitchFamily="49" charset="0"/>
+                <a:cs typeface="Courier New" panose="02070309020205020404" pitchFamily="49" charset="0"/>
+              </a:rPr>
+              <a:t> </a:t>
+            </a:r>
+            <a:r>
+              <a:rPr lang="id-ID" sz="1600" b="1" dirty="0" err="1" smtClean="0">
+                <a:latin typeface="Courier New" panose="02070309020205020404" pitchFamily="49" charset="0"/>
+                <a:cs typeface="Courier New" panose="02070309020205020404" pitchFamily="49" charset="0"/>
+              </a:rPr>
+              <a:t>ST_LineLocatePoint</a:t>
+            </a:r>
+            <a:r>
+              <a:rPr lang="id-ID" sz="1600" dirty="0" smtClean="0">
+                <a:latin typeface="Courier New" panose="02070309020205020404" pitchFamily="49" charset="0"/>
+                <a:cs typeface="Courier New" panose="02070309020205020404" pitchFamily="49" charset="0"/>
+              </a:rPr>
+              <a:t>(</a:t>
+            </a:r>
+            <a:r>
+              <a:rPr lang="id-ID" sz="1600" dirty="0" err="1" smtClean="0">
+                <a:latin typeface="Courier New" panose="02070309020205020404" pitchFamily="49" charset="0"/>
+                <a:cs typeface="Courier New" panose="02070309020205020404" pitchFamily="49" charset="0"/>
+              </a:rPr>
+              <a:t>geometry</a:t>
+            </a:r>
+            <a:r>
+              <a:rPr lang="id-ID" sz="1600" dirty="0" smtClean="0">
+                <a:latin typeface="Courier New" panose="02070309020205020404" pitchFamily="49" charset="0"/>
+                <a:cs typeface="Courier New" panose="02070309020205020404" pitchFamily="49" charset="0"/>
+              </a:rPr>
+              <a:t> </a:t>
+            </a:r>
+            <a:r>
+              <a:rPr lang="id-ID" sz="1600" dirty="0" err="1" smtClean="0">
+                <a:latin typeface="Courier New" panose="02070309020205020404" pitchFamily="49" charset="0"/>
+                <a:cs typeface="Courier New" panose="02070309020205020404" pitchFamily="49" charset="0"/>
+              </a:rPr>
+              <a:t>a_linestring</a:t>
+            </a:r>
+            <a:r>
+              <a:rPr lang="id-ID" sz="1600" dirty="0" smtClean="0">
+                <a:latin typeface="Courier New" panose="02070309020205020404" pitchFamily="49" charset="0"/>
+                <a:cs typeface="Courier New" panose="02070309020205020404" pitchFamily="49" charset="0"/>
+              </a:rPr>
+              <a:t>, </a:t>
+            </a:r>
+            <a:r>
+              <a:rPr lang="id-ID" sz="1600" dirty="0" err="1" smtClean="0">
+                <a:latin typeface="Courier New" panose="02070309020205020404" pitchFamily="49" charset="0"/>
+                <a:cs typeface="Courier New" panose="02070309020205020404" pitchFamily="49" charset="0"/>
+              </a:rPr>
+              <a:t>geometry</a:t>
+            </a:r>
+            <a:r>
+              <a:rPr lang="id-ID" sz="1600" dirty="0" smtClean="0">
+                <a:latin typeface="Courier New" panose="02070309020205020404" pitchFamily="49" charset="0"/>
+                <a:cs typeface="Courier New" panose="02070309020205020404" pitchFamily="49" charset="0"/>
+              </a:rPr>
+              <a:t> </a:t>
+            </a:r>
+            <a:r>
+              <a:rPr lang="id-ID" sz="1600" dirty="0" err="1" smtClean="0">
+                <a:latin typeface="Courier New" panose="02070309020205020404" pitchFamily="49" charset="0"/>
+                <a:cs typeface="Courier New" panose="02070309020205020404" pitchFamily="49" charset="0"/>
+              </a:rPr>
+              <a:t>a_point</a:t>
+            </a:r>
+            <a:r>
+              <a:rPr lang="id-ID" sz="1600" dirty="0" smtClean="0">
+                <a:latin typeface="Courier New" panose="02070309020205020404" pitchFamily="49" charset="0"/>
+                <a:cs typeface="Courier New" panose="02070309020205020404" pitchFamily="49" charset="0"/>
+              </a:rPr>
+              <a:t>)</a:t>
+            </a:r>
+          </a:p>
+          <a:p>
+            <a:r>
+              <a:rPr lang="id-ID" sz="1600" dirty="0" err="1">
+                <a:latin typeface="Courier New" panose="02070309020205020404" pitchFamily="49" charset="0"/>
+                <a:cs typeface="Courier New" panose="02070309020205020404" pitchFamily="49" charset="0"/>
+              </a:rPr>
+              <a:t>text</a:t>
+            </a:r>
+            <a:r>
+              <a:rPr lang="id-ID" sz="1600" dirty="0">
+                <a:latin typeface="Courier New" panose="02070309020205020404" pitchFamily="49" charset="0"/>
+                <a:cs typeface="Courier New" panose="02070309020205020404" pitchFamily="49" charset="0"/>
+              </a:rPr>
+              <a:t> </a:t>
+            </a:r>
+            <a:r>
+              <a:rPr lang="id-ID" sz="1600" b="1" dirty="0" err="1">
+                <a:latin typeface="Courier New" panose="02070309020205020404" pitchFamily="49" charset="0"/>
+                <a:cs typeface="Courier New" panose="02070309020205020404" pitchFamily="49" charset="0"/>
+              </a:rPr>
+              <a:t>ST_GeometryType</a:t>
+            </a:r>
+            <a:r>
+              <a:rPr lang="id-ID" sz="1600" dirty="0">
+                <a:latin typeface="Courier New" panose="02070309020205020404" pitchFamily="49" charset="0"/>
+                <a:cs typeface="Courier New" panose="02070309020205020404" pitchFamily="49" charset="0"/>
+              </a:rPr>
+              <a:t>(</a:t>
+            </a:r>
+            <a:r>
+              <a:rPr lang="id-ID" sz="1600" dirty="0" err="1">
+                <a:latin typeface="Courier New" panose="02070309020205020404" pitchFamily="49" charset="0"/>
+                <a:cs typeface="Courier New" panose="02070309020205020404" pitchFamily="49" charset="0"/>
+              </a:rPr>
+              <a:t>geometry</a:t>
+            </a:r>
+            <a:r>
+              <a:rPr lang="id-ID" sz="1600">
+                <a:latin typeface="Courier New" panose="02070309020205020404" pitchFamily="49" charset="0"/>
+                <a:cs typeface="Courier New" panose="02070309020205020404" pitchFamily="49" charset="0"/>
+              </a:rPr>
+              <a:t> A</a:t>
+            </a:r>
+            <a:r>
+              <a:rPr lang="id-ID" sz="1600" smtClean="0">
+                <a:latin typeface="Courier New" panose="02070309020205020404" pitchFamily="49" charset="0"/>
+                <a:cs typeface="Courier New" panose="02070309020205020404" pitchFamily="49" charset="0"/>
+              </a:rPr>
+              <a:t>)</a:t>
+            </a:r>
+            <a:endParaRPr lang="id-ID" sz="1600" dirty="0" smtClean="0">
+              <a:latin typeface="Courier New" panose="02070309020205020404" pitchFamily="49" charset="0"/>
+              <a:cs typeface="Courier New" panose="02070309020205020404" pitchFamily="49" charset="0"/>
+            </a:endParaRPr>
+          </a:p>
+          <a:p>
+            <a:r>
+              <a:rPr lang="id-ID" sz="1600" dirty="0" err="1" smtClean="0">
+                <a:latin typeface="Courier New" panose="02070309020205020404" pitchFamily="49" charset="0"/>
+                <a:cs typeface="Courier New" panose="02070309020205020404" pitchFamily="49" charset="0"/>
+              </a:rPr>
+              <a:t>integer</a:t>
+            </a:r>
+            <a:r>
+              <a:rPr lang="id-ID" sz="1600" dirty="0" smtClean="0">
+                <a:latin typeface="Courier New" panose="02070309020205020404" pitchFamily="49" charset="0"/>
+                <a:cs typeface="Courier New" panose="02070309020205020404" pitchFamily="49" charset="0"/>
+              </a:rPr>
+              <a:t> </a:t>
+            </a:r>
+            <a:r>
+              <a:rPr lang="id-ID" sz="1600" b="1" dirty="0" err="1" smtClean="0">
+                <a:latin typeface="Courier New" panose="02070309020205020404" pitchFamily="49" charset="0"/>
+                <a:cs typeface="Courier New" panose="02070309020205020404" pitchFamily="49" charset="0"/>
+              </a:rPr>
+              <a:t>ST_NumGeometries</a:t>
+            </a:r>
+            <a:r>
+              <a:rPr lang="id-ID" sz="1600" dirty="0" smtClean="0">
+                <a:latin typeface="Courier New" panose="02070309020205020404" pitchFamily="49" charset="0"/>
+                <a:cs typeface="Courier New" panose="02070309020205020404" pitchFamily="49" charset="0"/>
+              </a:rPr>
+              <a:t>(</a:t>
+            </a:r>
+            <a:r>
+              <a:rPr lang="id-ID" sz="1600" dirty="0" err="1" smtClean="0">
+                <a:latin typeface="Courier New" panose="02070309020205020404" pitchFamily="49" charset="0"/>
+                <a:cs typeface="Courier New" panose="02070309020205020404" pitchFamily="49" charset="0"/>
+              </a:rPr>
+              <a:t>geometry</a:t>
+            </a:r>
+            <a:r>
+              <a:rPr lang="id-ID" sz="1600" dirty="0" smtClean="0">
+                <a:latin typeface="Courier New" panose="02070309020205020404" pitchFamily="49" charset="0"/>
+                <a:cs typeface="Courier New" panose="02070309020205020404" pitchFamily="49" charset="0"/>
+              </a:rPr>
+              <a:t> A)</a:t>
+            </a:r>
+          </a:p>
+          <a:p>
+            <a:r>
+              <a:rPr lang="id-ID" sz="1600" dirty="0" err="1">
+                <a:latin typeface="Courier New" panose="02070309020205020404" pitchFamily="49" charset="0"/>
+                <a:cs typeface="Courier New" panose="02070309020205020404" pitchFamily="49" charset="0"/>
+              </a:rPr>
+              <a:t>geometry</a:t>
+            </a:r>
+            <a:r>
+              <a:rPr lang="id-ID" sz="1600" dirty="0">
+                <a:latin typeface="Courier New" panose="02070309020205020404" pitchFamily="49" charset="0"/>
+                <a:cs typeface="Courier New" panose="02070309020205020404" pitchFamily="49" charset="0"/>
+              </a:rPr>
+              <a:t> </a:t>
+            </a:r>
+            <a:r>
+              <a:rPr lang="id-ID" sz="1600" b="1" dirty="0" err="1">
+                <a:latin typeface="Courier New" panose="02070309020205020404" pitchFamily="49" charset="0"/>
+                <a:cs typeface="Courier New" panose="02070309020205020404" pitchFamily="49" charset="0"/>
+              </a:rPr>
+              <a:t>ST_GeometryN</a:t>
+            </a:r>
+            <a:r>
+              <a:rPr lang="id-ID" sz="1600" dirty="0">
+                <a:latin typeface="Courier New" panose="02070309020205020404" pitchFamily="49" charset="0"/>
+                <a:cs typeface="Courier New" panose="02070309020205020404" pitchFamily="49" charset="0"/>
+              </a:rPr>
+              <a:t>(</a:t>
+            </a:r>
+            <a:r>
+              <a:rPr lang="id-ID" sz="1600" dirty="0" err="1">
+                <a:latin typeface="Courier New" panose="02070309020205020404" pitchFamily="49" charset="0"/>
+                <a:cs typeface="Courier New" panose="02070309020205020404" pitchFamily="49" charset="0"/>
+              </a:rPr>
+              <a:t>geometry</a:t>
+            </a:r>
+            <a:r>
+              <a:rPr lang="id-ID" sz="1600" dirty="0">
+                <a:latin typeface="Courier New" panose="02070309020205020404" pitchFamily="49" charset="0"/>
+                <a:cs typeface="Courier New" panose="02070309020205020404" pitchFamily="49" charset="0"/>
+              </a:rPr>
+              <a:t> A, </a:t>
+            </a:r>
+            <a:r>
+              <a:rPr lang="id-ID" sz="1600" dirty="0" err="1">
+                <a:latin typeface="Courier New" panose="02070309020205020404" pitchFamily="49" charset="0"/>
+                <a:cs typeface="Courier New" panose="02070309020205020404" pitchFamily="49" charset="0"/>
+              </a:rPr>
+              <a:t>integer</a:t>
+            </a:r>
+            <a:r>
+              <a:rPr lang="id-ID" sz="1600" dirty="0">
+                <a:latin typeface="Courier New" panose="02070309020205020404" pitchFamily="49" charset="0"/>
+                <a:cs typeface="Courier New" panose="02070309020205020404" pitchFamily="49" charset="0"/>
+              </a:rPr>
+              <a:t> N</a:t>
+            </a:r>
+            <a:r>
+              <a:rPr lang="id-ID" sz="1600" dirty="0" smtClean="0">
+                <a:latin typeface="Courier New" panose="02070309020205020404" pitchFamily="49" charset="0"/>
+                <a:cs typeface="Courier New" panose="02070309020205020404" pitchFamily="49" charset="0"/>
+              </a:rPr>
+              <a:t>)</a:t>
+            </a:r>
+          </a:p>
+        </p:txBody>
+      </p:sp>
+    </p:spTree>
+    <p:extLst>
+      <p:ext uri="{BB962C8B-B14F-4D97-AF65-F5344CB8AC3E}">
+        <p14:creationId xmlns:p14="http://schemas.microsoft.com/office/powerpoint/2010/main" val="2191119276"/>
+      </p:ext>
+    </p:extLst>
+  </p:cSld>
+  <p:clrMapOvr>
+    <a:masterClrMapping/>
+  </p:clrMapOvr>
 </p:sld>
 </file>
 
@@ -5730,7 +5722,7 @@
   <p:timing>
     <p:tnLst>
       <p:par>
-        <p:cTn id="1" dur="indefinite" restart="never" nodeType="tmRoot"/>
+        <p:cTn xmlns:p14="http://schemas.microsoft.com/office/powerpoint/2010/main" id="1" dur="indefinite" restart="never" nodeType="tmRoot"/>
       </p:par>
     </p:tnLst>
   </p:timing>
@@ -6089,106 +6081,7 @@
   <p:timing>
     <p:tnLst>
       <p:par>
-        <p:cTn id="1" dur="indefinite" restart="never" nodeType="tmRoot"/>
-      </p:par>
-    </p:tnLst>
-  </p:timing>
-</p:sld>
-</file>
-
-<file path=ppt/slides/slide8.xml><?xml version="1.0" encoding="utf-8"?>
-<p:sld xmlns:a="http://schemas.openxmlformats.org/drawingml/2006/main" xmlns:r="http://schemas.openxmlformats.org/officeDocument/2006/relationships" xmlns:p="http://schemas.openxmlformats.org/presentationml/2006/main">
-  <p:cSld>
-    <p:spTree>
-      <p:nvGrpSpPr>
-        <p:cNvPr id="1" name=""/>
-        <p:cNvGrpSpPr/>
-        <p:nvPr/>
-      </p:nvGrpSpPr>
-      <p:grpSpPr>
-        <a:xfrm>
-          <a:off x="0" y="0"/>
-          <a:ext cx="0" cy="0"/>
-          <a:chOff x="0" y="0"/>
-          <a:chExt cx="0" cy="0"/>
-        </a:xfrm>
-      </p:grpSpPr>
-      <p:sp>
-        <p:nvSpPr>
-          <p:cNvPr id="2" name="Title 1"/>
-          <p:cNvSpPr>
-            <a:spLocks noGrp="1"/>
-          </p:cNvSpPr>
-          <p:nvPr>
-            <p:ph type="title"/>
-          </p:nvPr>
-        </p:nvSpPr>
-        <p:spPr/>
-        <p:txBody>
-          <a:bodyPr/>
-          <a:lstStyle/>
-          <a:p>
-            <a:r>
-              <a:rPr lang="en-US" dirty="0" err="1" smtClean="0"/>
-              <a:t>Aplikasi</a:t>
-            </a:r>
-            <a:r>
-              <a:rPr lang="en-US" dirty="0" smtClean="0"/>
-              <a:t> </a:t>
-            </a:r>
-            <a:r>
-              <a:rPr lang="en-US" dirty="0" err="1" smtClean="0"/>
-              <a:t>AngkotWay</a:t>
-            </a:r>
-            <a:endParaRPr lang="en-US" dirty="0"/>
-          </a:p>
-        </p:txBody>
-      </p:sp>
-      <p:sp>
-        <p:nvSpPr>
-          <p:cNvPr id="3" name="Content Placeholder 2"/>
-          <p:cNvSpPr>
-            <a:spLocks noGrp="1"/>
-          </p:cNvSpPr>
-          <p:nvPr>
-            <p:ph sz="quarter" idx="1"/>
-          </p:nvPr>
-        </p:nvSpPr>
-        <p:spPr/>
-        <p:txBody>
-          <a:bodyPr/>
-          <a:lstStyle/>
-          <a:p>
-            <a:endParaRPr lang="en-US"/>
-          </a:p>
-        </p:txBody>
-      </p:sp>
-    </p:spTree>
-    <p:extLst>
-      <p:ext uri="{BB962C8B-B14F-4D97-AF65-F5344CB8AC3E}">
-        <p14:creationId xmlns:p14="http://schemas.microsoft.com/office/powerpoint/2010/main" val="954120614"/>
-      </p:ext>
-    </p:extLst>
-  </p:cSld>
-  <p:clrMapOvr>
-    <a:masterClrMapping/>
-  </p:clrMapOvr>
-  <mc:AlternateContent xmlns:mc="http://schemas.openxmlformats.org/markup-compatibility/2006" xmlns:p14="http://schemas.microsoft.com/office/powerpoint/2010/main">
-    <mc:Choice Requires="p14">
-      <p:transition spd="slow" p14:dur="1600">
-        <p14:prism isInverted="1"/>
-      </p:transition>
-    </mc:Choice>
-    <mc:Fallback xmlns="">
-      <p:transition xmlns:p14="http://schemas.microsoft.com/office/powerpoint/2010/main" spd="slow">
-        <p:fade/>
-      </p:transition>
-    </mc:Fallback>
-  </mc:AlternateContent>
-  <p:timing>
-    <p:tnLst>
-      <p:par>
-        <p:cTn id="1" dur="indefinite" restart="never" nodeType="tmRoot"/>
+        <p:cTn xmlns:p14="http://schemas.microsoft.com/office/powerpoint/2010/main" id="1" dur="indefinite" restart="never" nodeType="tmRoot"/>
       </p:par>
     </p:tnLst>
   </p:timing>

--- a/Presentasi PDL.pptx
+++ b/Presentasi PDL.pptx
@@ -12,6 +12,7 @@
     <p:sldId id="263" r:id="rId6"/>
     <p:sldId id="260" r:id="rId7"/>
     <p:sldId id="261" r:id="rId8"/>
+    <p:sldId id="264" r:id="rId9"/>
   </p:sldIdLst>
   <p:sldSz cx="9144000" cy="6858000" type="screen4x3"/>
   <p:notesSz cx="6858000" cy="9144000"/>
@@ -112,7 +113,7 @@
   </p:defaultTextStyle>
   <p:extLst>
     <p:ext uri="{EFAFB233-063F-42B5-8137-9DF3F51BA10A}">
-      <p15:sldGuideLst xmlns:p15="http://schemas.microsoft.com/office/powerpoint/2012/main" xmlns="">
+      <p15:sldGuideLst xmlns="" xmlns:p15="http://schemas.microsoft.com/office/powerpoint/2012/main">
         <p15:guide id="1" orient="horz" pos="2160">
           <p15:clr>
             <a:srgbClr val="A4A3A4"/>
@@ -420,7 +421,7 @@
           <a:p>
             <a:fld id="{CFBF0AAD-1840-B64C-B4BD-3771158A793C}" type="datetimeFigureOut">
               <a:rPr lang="en-US" smtClean="0"/>
-              <a:t>4/3/14</a:t>
+              <a:t>4/6/14</a:t>
             </a:fld>
             <a:endParaRPr lang="en-US"/>
           </a:p>
@@ -611,7 +612,7 @@
           <a:p>
             <a:fld id="{CFBF0AAD-1840-B64C-B4BD-3771158A793C}" type="datetimeFigureOut">
               <a:rPr lang="en-US" smtClean="0"/>
-              <a:t>4/3/14</a:t>
+              <a:t>4/6/14</a:t>
             </a:fld>
             <a:endParaRPr lang="en-US"/>
           </a:p>
@@ -796,7 +797,7 @@
           <a:p>
             <a:fld id="{CFBF0AAD-1840-B64C-B4BD-3771158A793C}" type="datetimeFigureOut">
               <a:rPr lang="en-US" smtClean="0"/>
-              <a:t>4/3/14</a:t>
+              <a:t>4/6/14</a:t>
             </a:fld>
             <a:endParaRPr lang="en-US"/>
           </a:p>
@@ -1059,7 +1060,7 @@
           <a:p>
             <a:fld id="{CFBF0AAD-1840-B64C-B4BD-3771158A793C}" type="datetimeFigureOut">
               <a:rPr lang="en-US" smtClean="0"/>
-              <a:t>4/3/14</a:t>
+              <a:t>4/6/14</a:t>
             </a:fld>
             <a:endParaRPr lang="en-US"/>
           </a:p>
@@ -1475,7 +1476,7 @@
           <a:p>
             <a:fld id="{CFBF0AAD-1840-B64C-B4BD-3771158A793C}" type="datetimeFigureOut">
               <a:rPr lang="en-US" smtClean="0"/>
-              <a:t>4/3/14</a:t>
+              <a:t>4/6/14</a:t>
             </a:fld>
             <a:endParaRPr lang="en-US"/>
           </a:p>
@@ -1717,7 +1718,7 @@
           <a:p>
             <a:fld id="{CFBF0AAD-1840-B64C-B4BD-3771158A793C}" type="datetimeFigureOut">
               <a:rPr lang="en-US" smtClean="0"/>
-              <a:t>4/3/14</a:t>
+              <a:t>4/6/14</a:t>
             </a:fld>
             <a:endParaRPr lang="en-US"/>
           </a:p>
@@ -1953,7 +1954,7 @@
           <a:p>
             <a:fld id="{CFBF0AAD-1840-B64C-B4BD-3771158A793C}" type="datetimeFigureOut">
               <a:rPr lang="en-US" smtClean="0"/>
-              <a:t>4/3/14</a:t>
+              <a:t>4/6/14</a:t>
             </a:fld>
             <a:endParaRPr lang="en-US"/>
           </a:p>
@@ -2148,7 +2149,7 @@
           <a:p>
             <a:fld id="{CFBF0AAD-1840-B64C-B4BD-3771158A793C}" type="datetimeFigureOut">
               <a:rPr lang="en-US" smtClean="0"/>
-              <a:t>4/3/14</a:t>
+              <a:t>4/6/14</a:t>
             </a:fld>
             <a:endParaRPr lang="en-US"/>
           </a:p>
@@ -2246,7 +2247,7 @@
           <a:p>
             <a:fld id="{CFBF0AAD-1840-B64C-B4BD-3771158A793C}" type="datetimeFigureOut">
               <a:rPr lang="en-US" smtClean="0"/>
-              <a:t>4/3/14</a:t>
+              <a:t>4/6/14</a:t>
             </a:fld>
             <a:endParaRPr lang="en-US"/>
           </a:p>
@@ -2382,7 +2383,7 @@
           <a:p>
             <a:fld id="{CFBF0AAD-1840-B64C-B4BD-3771158A793C}" type="datetimeFigureOut">
               <a:rPr lang="en-US" smtClean="0"/>
-              <a:t>4/3/14</a:t>
+              <a:t>4/6/14</a:t>
             </a:fld>
             <a:endParaRPr lang="en-US"/>
           </a:p>
@@ -2900,7 +2901,7 @@
           <a:p>
             <a:fld id="{CFBF0AAD-1840-B64C-B4BD-3771158A793C}" type="datetimeFigureOut">
               <a:rPr lang="en-US" smtClean="0"/>
-              <a:t>4/3/14</a:t>
+              <a:t>4/6/14</a:t>
             </a:fld>
             <a:endParaRPr lang="en-US"/>
           </a:p>
@@ -3161,7 +3162,7 @@
           <a:p>
             <a:fld id="{CFBF0AAD-1840-B64C-B4BD-3771158A793C}" type="datetimeFigureOut">
               <a:rPr lang="en-US" smtClean="0"/>
-              <a:t>4/3/14</a:t>
+              <a:t>4/6/14</a:t>
             </a:fld>
             <a:endParaRPr lang="en-US"/>
           </a:p>
@@ -6088,6 +6089,117 @@
 </p:sld>
 </file>
 
+<file path=ppt/slides/slide8.xml><?xml version="1.0" encoding="utf-8"?>
+<p:sld xmlns:a="http://schemas.openxmlformats.org/drawingml/2006/main" xmlns:r="http://schemas.openxmlformats.org/officeDocument/2006/relationships" xmlns:p="http://schemas.openxmlformats.org/presentationml/2006/main">
+  <p:cSld>
+    <p:spTree>
+      <p:nvGrpSpPr>
+        <p:cNvPr id="1" name=""/>
+        <p:cNvGrpSpPr/>
+        <p:nvPr/>
+      </p:nvGrpSpPr>
+      <p:grpSpPr>
+        <a:xfrm>
+          <a:off x="0" y="0"/>
+          <a:ext cx="0" cy="0"/>
+          <a:chOff x="0" y="0"/>
+          <a:chExt cx="0" cy="0"/>
+        </a:xfrm>
+      </p:grpSpPr>
+      <p:sp>
+        <p:nvSpPr>
+          <p:cNvPr id="2" name="Title 1"/>
+          <p:cNvSpPr>
+            <a:spLocks noGrp="1"/>
+          </p:cNvSpPr>
+          <p:nvPr>
+            <p:ph type="title"/>
+          </p:nvPr>
+        </p:nvSpPr>
+        <p:spPr/>
+        <p:txBody>
+          <a:bodyPr/>
+          <a:lstStyle/>
+          <a:p>
+            <a:r>
+              <a:rPr lang="en-US" dirty="0" err="1" smtClean="0"/>
+              <a:t>Kesimpulan</a:t>
+            </a:r>
+            <a:endParaRPr lang="en-US" dirty="0"/>
+          </a:p>
+        </p:txBody>
+      </p:sp>
+      <p:sp>
+        <p:nvSpPr>
+          <p:cNvPr id="3" name="Content Placeholder 2"/>
+          <p:cNvSpPr>
+            <a:spLocks noGrp="1"/>
+          </p:cNvSpPr>
+          <p:nvPr>
+            <p:ph sz="quarter" idx="1"/>
+          </p:nvPr>
+        </p:nvSpPr>
+        <p:spPr/>
+        <p:txBody>
+          <a:bodyPr/>
+          <a:lstStyle/>
+          <a:p>
+            <a:r>
+              <a:rPr lang="en-US" dirty="0" err="1" smtClean="0"/>
+              <a:t>PostGIS</a:t>
+            </a:r>
+            <a:r>
+              <a:rPr lang="en-US" dirty="0" smtClean="0"/>
+              <a:t> </a:t>
+            </a:r>
+            <a:r>
+              <a:rPr lang="en-US" dirty="0" err="1" smtClean="0"/>
+              <a:t>dapat</a:t>
+            </a:r>
+            <a:r>
+              <a:rPr lang="en-US" dirty="0" smtClean="0"/>
+              <a:t> </a:t>
+            </a:r>
+            <a:r>
+              <a:rPr lang="en-US" dirty="0" err="1" smtClean="0"/>
+              <a:t>menjalankan</a:t>
+            </a:r>
+            <a:r>
+              <a:rPr lang="en-US" dirty="0" smtClean="0"/>
+              <a:t> query-query basis data spatial </a:t>
+            </a:r>
+            <a:r>
+              <a:rPr lang="en-US" dirty="0" err="1" smtClean="0"/>
+              <a:t>dengan</a:t>
+            </a:r>
+            <a:r>
+              <a:rPr lang="en-US" dirty="0" smtClean="0"/>
+              <a:t> </a:t>
+            </a:r>
+            <a:r>
+              <a:rPr lang="en-US" dirty="0" err="1" smtClean="0"/>
+              <a:t>baik</a:t>
+            </a:r>
+            <a:endParaRPr lang="en-US" dirty="0" smtClean="0"/>
+          </a:p>
+          <a:p>
+            <a:endParaRPr lang="en-US" dirty="0"/>
+          </a:p>
+        </p:txBody>
+      </p:sp>
+    </p:spTree>
+    <p:extLst>
+      <p:ext uri="{BB962C8B-B14F-4D97-AF65-F5344CB8AC3E}">
+        <p14:creationId xmlns:p14="http://schemas.microsoft.com/office/powerpoint/2010/main" val="731154715"/>
+      </p:ext>
+    </p:extLst>
+  </p:cSld>
+  <p:clrMapOvr>
+    <a:masterClrMapping/>
+  </p:clrMapOvr>
+</p:sld>
+</file>
+
 <file path=ppt/theme/theme1.xml><?xml version="1.0" encoding="utf-8"?>
 <a:theme xmlns:a="http://schemas.openxmlformats.org/drawingml/2006/main" name="Median">
   <a:themeElements>

--- a/Presentasi PDL.pptx
+++ b/Presentasi PDL.pptx
@@ -113,7 +113,7 @@
   </p:defaultTextStyle>
   <p:extLst>
     <p:ext uri="{EFAFB233-063F-42B5-8137-9DF3F51BA10A}">
-      <p15:sldGuideLst xmlns="" xmlns:p15="http://schemas.microsoft.com/office/powerpoint/2012/main">
+      <p15:sldGuideLst xmlns:p15="http://schemas.microsoft.com/office/powerpoint/2012/main" xmlns="">
         <p15:guide id="1" orient="horz" pos="2160">
           <p15:clr>
             <a:srgbClr val="A4A3A4"/>
@@ -6144,45 +6144,206 @@
           <a:bodyPr/>
           <a:lstStyle/>
           <a:p>
-            <a:r>
-              <a:rPr lang="en-US" dirty="0" err="1" smtClean="0"/>
+            <a:pPr lvl="0"/>
+            <a:r>
+              <a:rPr lang="en-US" dirty="0" err="1"/>
               <a:t>PostGIS</a:t>
             </a:r>
             <a:r>
-              <a:rPr lang="en-US" dirty="0" smtClean="0"/>
-              <a:t> </a:t>
-            </a:r>
-            <a:r>
-              <a:rPr lang="en-US" dirty="0" err="1" smtClean="0"/>
+              <a:rPr lang="en-US" dirty="0"/>
+              <a:t> </a:t>
+            </a:r>
+            <a:r>
+              <a:rPr lang="en-US" dirty="0" err="1"/>
+              <a:t>merupakan</a:t>
+            </a:r>
+            <a:r>
+              <a:rPr lang="en-US" dirty="0"/>
+              <a:t> basis data yang </a:t>
+            </a:r>
+            <a:r>
+              <a:rPr lang="en-US" dirty="0" err="1"/>
+              <a:t>sudah</a:t>
+            </a:r>
+            <a:r>
+              <a:rPr lang="en-US" dirty="0"/>
+              <a:t> </a:t>
+            </a:r>
+            <a:r>
+              <a:rPr lang="en-US" dirty="0" err="1"/>
+              <a:t>sangat</a:t>
+            </a:r>
+            <a:r>
+              <a:rPr lang="en-US" dirty="0"/>
+              <a:t> </a:t>
+            </a:r>
+            <a:r>
+              <a:rPr lang="en-US" dirty="0" err="1"/>
+              <a:t>baik</a:t>
+            </a:r>
+            <a:r>
+              <a:rPr lang="en-US" dirty="0"/>
+              <a:t> </a:t>
+            </a:r>
+            <a:r>
+              <a:rPr lang="en-US" dirty="0" err="1"/>
+              <a:t>dalam</a:t>
+            </a:r>
+            <a:r>
+              <a:rPr lang="en-US" dirty="0"/>
+              <a:t> </a:t>
+            </a:r>
+            <a:r>
+              <a:rPr lang="en-US" dirty="0" err="1"/>
+              <a:t>pengelolaan</a:t>
+            </a:r>
+            <a:r>
+              <a:rPr lang="en-US" dirty="0"/>
+              <a:t> basis data spatial.</a:t>
+            </a:r>
+          </a:p>
+          <a:p>
+            <a:pPr lvl="0"/>
+            <a:r>
+              <a:rPr lang="en-US" dirty="0"/>
+              <a:t>Query </a:t>
+            </a:r>
+            <a:r>
+              <a:rPr lang="en-US" dirty="0" err="1"/>
               <a:t>dapat</a:t>
             </a:r>
             <a:r>
-              <a:rPr lang="en-US" dirty="0" smtClean="0"/>
-              <a:t> </a:t>
-            </a:r>
-            <a:r>
-              <a:rPr lang="en-US" dirty="0" err="1" smtClean="0"/>
-              <a:t>menjalankan</a:t>
-            </a:r>
-            <a:r>
-              <a:rPr lang="en-US" dirty="0" smtClean="0"/>
-              <a:t> query-query basis data spatial </a:t>
-            </a:r>
-            <a:r>
-              <a:rPr lang="en-US" dirty="0" err="1" smtClean="0"/>
+              <a:rPr lang="en-US" dirty="0"/>
+              <a:t> </a:t>
+            </a:r>
+            <a:r>
+              <a:rPr lang="en-US" dirty="0" err="1"/>
+              <a:t>dijalankan</a:t>
+            </a:r>
+            <a:r>
+              <a:rPr lang="en-US" dirty="0"/>
+              <a:t> </a:t>
+            </a:r>
+            <a:r>
+              <a:rPr lang="en-US" dirty="0" err="1"/>
               <a:t>dengan</a:t>
             </a:r>
             <a:r>
-              <a:rPr lang="en-US" dirty="0" smtClean="0"/>
-              <a:t> </a:t>
-            </a:r>
-            <a:r>
-              <a:rPr lang="en-US" dirty="0" err="1" smtClean="0"/>
+              <a:rPr lang="en-US" dirty="0"/>
+              <a:t> </a:t>
+            </a:r>
+            <a:r>
+              <a:rPr lang="en-US" dirty="0" err="1"/>
               <a:t>baik</a:t>
             </a:r>
-            <a:endParaRPr lang="en-US" dirty="0" smtClean="0"/>
-          </a:p>
-          <a:p>
+            <a:r>
+              <a:rPr lang="en-US" dirty="0"/>
+              <a:t> </a:t>
+            </a:r>
+            <a:r>
+              <a:rPr lang="en-US" dirty="0" err="1"/>
+              <a:t>dalam</a:t>
+            </a:r>
+            <a:r>
+              <a:rPr lang="en-US" dirty="0"/>
+              <a:t> </a:t>
+            </a:r>
+            <a:r>
+              <a:rPr lang="en-US" dirty="0" err="1"/>
+              <a:t>PostGIS</a:t>
+            </a:r>
+            <a:r>
+              <a:rPr lang="en-US" dirty="0"/>
+              <a:t>.</a:t>
+            </a:r>
+          </a:p>
+          <a:p>
+            <a:pPr lvl="0"/>
+            <a:r>
+              <a:rPr lang="en-US" dirty="0" err="1"/>
+              <a:t>Aplikasi</a:t>
+            </a:r>
+            <a:r>
+              <a:rPr lang="en-US" dirty="0"/>
+              <a:t> </a:t>
+            </a:r>
+            <a:r>
+              <a:rPr lang="en-US" dirty="0" err="1"/>
+              <a:t>berbasis</a:t>
+            </a:r>
+            <a:r>
+              <a:rPr lang="en-US" dirty="0"/>
+              <a:t> web </a:t>
+            </a:r>
+            <a:r>
+              <a:rPr lang="en-US" dirty="0" err="1"/>
+              <a:t>dapat</a:t>
+            </a:r>
+            <a:r>
+              <a:rPr lang="en-US" dirty="0"/>
+              <a:t> </a:t>
+            </a:r>
+            <a:r>
+              <a:rPr lang="en-US" dirty="0" err="1"/>
+              <a:t>disambungkan</a:t>
+            </a:r>
+            <a:r>
+              <a:rPr lang="en-US" dirty="0"/>
+              <a:t> </a:t>
+            </a:r>
+            <a:r>
+              <a:rPr lang="en-US" dirty="0" err="1"/>
+              <a:t>dengan</a:t>
+            </a:r>
+            <a:r>
+              <a:rPr lang="en-US" dirty="0"/>
+              <a:t> </a:t>
+            </a:r>
+            <a:r>
+              <a:rPr lang="en-US" dirty="0" err="1"/>
+              <a:t>mudah</a:t>
+            </a:r>
+            <a:r>
+              <a:rPr lang="en-US" dirty="0"/>
+              <a:t> </a:t>
+            </a:r>
+            <a:r>
+              <a:rPr lang="en-US" dirty="0" err="1"/>
+              <a:t>dengan</a:t>
+            </a:r>
+            <a:r>
+              <a:rPr lang="en-US" dirty="0"/>
+              <a:t> </a:t>
+            </a:r>
+            <a:r>
+              <a:rPr lang="en-US" dirty="0" err="1"/>
+              <a:t>PostgreSQL</a:t>
+            </a:r>
+            <a:r>
+              <a:rPr lang="en-US" dirty="0"/>
+              <a:t> </a:t>
+            </a:r>
+            <a:r>
+              <a:rPr lang="en-US" dirty="0" err="1"/>
+              <a:t>dengan</a:t>
+            </a:r>
+            <a:r>
+              <a:rPr lang="en-US" dirty="0"/>
+              <a:t> </a:t>
+            </a:r>
+            <a:r>
+              <a:rPr lang="en-US" dirty="0" err="1"/>
+              <a:t>menggunakan</a:t>
+            </a:r>
+            <a:r>
+              <a:rPr lang="en-US" dirty="0"/>
+              <a:t> PHP.</a:t>
+            </a:r>
+          </a:p>
+          <a:p>
+            <a:pPr marL="0" indent="0">
+              <a:buNone/>
+            </a:pPr>
             <a:endParaRPr lang="en-US" dirty="0"/>
           </a:p>
         </p:txBody>
